--- a/Schéma MEPI_v2.pptx
+++ b/Schéma MEPI_v2.pptx
@@ -197,7 +197,7 @@
           <a:p>
             <a:fld id="{A63BCDBA-15DF-4AE0-9D6F-BF720B3E0252}" type="datetimeFigureOut">
               <a:rPr lang="en-US" smtClean="0"/>
-              <a:t>10/10/2023</a:t>
+              <a:t>10/11/2023</a:t>
             </a:fld>
             <a:endParaRPr lang="en-US"/>
           </a:p>
@@ -596,7 +596,7 @@
           <a:p>
             <a:fld id="{A5AF9A6A-1F81-4236-8DE6-52D7EE79203B}" type="datetimeFigureOut">
               <a:rPr lang="en-US" smtClean="0"/>
-              <a:t>10/10/2023</a:t>
+              <a:t>10/11/2023</a:t>
             </a:fld>
             <a:endParaRPr lang="en-US"/>
           </a:p>
@@ -766,7 +766,7 @@
           <a:p>
             <a:fld id="{A5AF9A6A-1F81-4236-8DE6-52D7EE79203B}" type="datetimeFigureOut">
               <a:rPr lang="en-US" smtClean="0"/>
-              <a:t>10/10/2023</a:t>
+              <a:t>10/11/2023</a:t>
             </a:fld>
             <a:endParaRPr lang="en-US"/>
           </a:p>
@@ -946,7 +946,7 @@
           <a:p>
             <a:fld id="{A5AF9A6A-1F81-4236-8DE6-52D7EE79203B}" type="datetimeFigureOut">
               <a:rPr lang="en-US" smtClean="0"/>
-              <a:t>10/10/2023</a:t>
+              <a:t>10/11/2023</a:t>
             </a:fld>
             <a:endParaRPr lang="en-US"/>
           </a:p>
@@ -1116,7 +1116,7 @@
           <a:p>
             <a:fld id="{A5AF9A6A-1F81-4236-8DE6-52D7EE79203B}" type="datetimeFigureOut">
               <a:rPr lang="en-US" smtClean="0"/>
-              <a:t>10/10/2023</a:t>
+              <a:t>10/11/2023</a:t>
             </a:fld>
             <a:endParaRPr lang="en-US"/>
           </a:p>
@@ -1362,7 +1362,7 @@
           <a:p>
             <a:fld id="{A5AF9A6A-1F81-4236-8DE6-52D7EE79203B}" type="datetimeFigureOut">
               <a:rPr lang="en-US" smtClean="0"/>
-              <a:t>10/10/2023</a:t>
+              <a:t>10/11/2023</a:t>
             </a:fld>
             <a:endParaRPr lang="en-US"/>
           </a:p>
@@ -1594,7 +1594,7 @@
           <a:p>
             <a:fld id="{A5AF9A6A-1F81-4236-8DE6-52D7EE79203B}" type="datetimeFigureOut">
               <a:rPr lang="en-US" smtClean="0"/>
-              <a:t>10/10/2023</a:t>
+              <a:t>10/11/2023</a:t>
             </a:fld>
             <a:endParaRPr lang="en-US"/>
           </a:p>
@@ -1961,7 +1961,7 @@
           <a:p>
             <a:fld id="{A5AF9A6A-1F81-4236-8DE6-52D7EE79203B}" type="datetimeFigureOut">
               <a:rPr lang="en-US" smtClean="0"/>
-              <a:t>10/10/2023</a:t>
+              <a:t>10/11/2023</a:t>
             </a:fld>
             <a:endParaRPr lang="en-US"/>
           </a:p>
@@ -2079,7 +2079,7 @@
           <a:p>
             <a:fld id="{A5AF9A6A-1F81-4236-8DE6-52D7EE79203B}" type="datetimeFigureOut">
               <a:rPr lang="en-US" smtClean="0"/>
-              <a:t>10/10/2023</a:t>
+              <a:t>10/11/2023</a:t>
             </a:fld>
             <a:endParaRPr lang="en-US"/>
           </a:p>
@@ -2174,7 +2174,7 @@
           <a:p>
             <a:fld id="{A5AF9A6A-1F81-4236-8DE6-52D7EE79203B}" type="datetimeFigureOut">
               <a:rPr lang="en-US" smtClean="0"/>
-              <a:t>10/10/2023</a:t>
+              <a:t>10/11/2023</a:t>
             </a:fld>
             <a:endParaRPr lang="en-US"/>
           </a:p>
@@ -2451,7 +2451,7 @@
           <a:p>
             <a:fld id="{A5AF9A6A-1F81-4236-8DE6-52D7EE79203B}" type="datetimeFigureOut">
               <a:rPr lang="en-US" smtClean="0"/>
-              <a:t>10/10/2023</a:t>
+              <a:t>10/11/2023</a:t>
             </a:fld>
             <a:endParaRPr lang="en-US"/>
           </a:p>
@@ -2708,7 +2708,7 @@
           <a:p>
             <a:fld id="{A5AF9A6A-1F81-4236-8DE6-52D7EE79203B}" type="datetimeFigureOut">
               <a:rPr lang="en-US" smtClean="0"/>
-              <a:t>10/10/2023</a:t>
+              <a:t>10/11/2023</a:t>
             </a:fld>
             <a:endParaRPr lang="en-US"/>
           </a:p>
@@ -2921,7 +2921,7 @@
           <a:p>
             <a:fld id="{A5AF9A6A-1F81-4236-8DE6-52D7EE79203B}" type="datetimeFigureOut">
               <a:rPr lang="en-US" smtClean="0"/>
-              <a:t>10/10/2023</a:t>
+              <a:t>10/11/2023</a:t>
             </a:fld>
             <a:endParaRPr lang="en-US"/>
           </a:p>
@@ -4615,8 +4615,8 @@
           </a:fontRef>
         </p:style>
       </p:cxnSp>
-      <mc:AlternateContent xmlns:mc="http://schemas.openxmlformats.org/markup-compatibility/2006" xmlns:a14="http://schemas.microsoft.com/office/drawing/2010/main">
-        <mc:Choice Requires="a14">
+      <mc:AlternateContent xmlns:mc="http://schemas.openxmlformats.org/markup-compatibility/2006">
+        <mc:Choice xmlns:a14="http://schemas.microsoft.com/office/drawing/2010/main" Requires="a14">
           <p:sp>
             <p:nvSpPr>
               <p:cNvPr id="79" name="TextBox 78">
@@ -4655,17 +4655,17 @@
                       <m:sSub>
                         <m:sSubPr>
                           <m:ctrlPr>
-                            <a:rPr lang="fr-FR" sz="2400" i="1" dirty="0">
+                            <a:rPr lang="fr-FR" sz="2400" i="1" dirty="0" smtClean="0">
                               <a:latin typeface="Cambria Math" panose="02040503050406030204" pitchFamily="18" charset="0"/>
                             </a:rPr>
                           </m:ctrlPr>
                         </m:sSubPr>
                         <m:e>
                           <m:r>
-                            <a:rPr lang="fr-FR" sz="2400" i="1" dirty="0">
+                            <a:rPr lang="fr-FR" sz="2400" b="0" i="1" dirty="0" smtClean="0">
                               <a:latin typeface="Cambria Math" panose="02040503050406030204" pitchFamily="18" charset="0"/>
                             </a:rPr>
-                            <m:t>𝐽</m:t>
+                            <m:t>𝐿</m:t>
                           </m:r>
                         </m:e>
                         <m:sub>
@@ -4685,7 +4685,7 @@
             </p:txBody>
           </p:sp>
         </mc:Choice>
-        <mc:Fallback xmlns="">
+        <mc:Fallback>
           <p:sp>
             <p:nvSpPr>
               <p:cNvPr id="79" name="TextBox 78">
@@ -4711,6 +4711,121 @@
               <a:blipFill>
                 <a:blip r:embed="rId2"/>
                 <a:stretch>
+                  <a:fillRect b="-1316"/>
+                </a:stretch>
+              </a:blipFill>
+            </p:spPr>
+            <p:txBody>
+              <a:bodyPr/>
+              <a:lstStyle/>
+              <a:p>
+                <a:r>
+                  <a:rPr lang="en-US">
+                    <a:noFill/>
+                  </a:rPr>
+                  <a:t> </a:t>
+                </a:r>
+              </a:p>
+            </p:txBody>
+          </p:sp>
+        </mc:Fallback>
+      </mc:AlternateContent>
+      <mc:AlternateContent xmlns:mc="http://schemas.openxmlformats.org/markup-compatibility/2006">
+        <mc:Choice xmlns:a14="http://schemas.microsoft.com/office/drawing/2010/main" Requires="a14">
+          <p:sp>
+            <p:nvSpPr>
+              <p:cNvPr id="80" name="TextBox 79">
+                <a:extLst>
+                  <a:ext uri="{FF2B5EF4-FFF2-40B4-BE49-F238E27FC236}">
+                    <a16:creationId xmlns:a16="http://schemas.microsoft.com/office/drawing/2014/main" id="{1C68E30C-D279-5A5D-D225-88BAE3B9D36A}"/>
+                  </a:ext>
+                </a:extLst>
+              </p:cNvPr>
+              <p:cNvSpPr txBox="1"/>
+              <p:nvPr/>
+            </p:nvSpPr>
+            <p:spPr>
+              <a:xfrm>
+                <a:off x="2357290" y="2916493"/>
+                <a:ext cx="535419" cy="461665"/>
+              </a:xfrm>
+              <a:prstGeom prst="rect">
+                <a:avLst/>
+              </a:prstGeom>
+              <a:noFill/>
+            </p:spPr>
+            <p:txBody>
+              <a:bodyPr wrap="square">
+                <a:spAutoFit/>
+              </a:bodyPr>
+              <a:lstStyle/>
+              <a:p>
+                <a:pPr/>
+                <a14:m>
+                  <m:oMathPara xmlns:m="http://schemas.openxmlformats.org/officeDocument/2006/math">
+                    <m:oMathParaPr>
+                      <m:jc m:val="centerGroup"/>
+                    </m:oMathParaPr>
+                    <m:oMath xmlns:m="http://schemas.openxmlformats.org/officeDocument/2006/math">
+                      <m:sSub>
+                        <m:sSubPr>
+                          <m:ctrlPr>
+                            <a:rPr lang="fr-FR" sz="2400" i="1" dirty="0" smtClean="0">
+                              <a:latin typeface="Cambria Math" panose="02040503050406030204" pitchFamily="18" charset="0"/>
+                            </a:rPr>
+                          </m:ctrlPr>
+                        </m:sSubPr>
+                        <m:e>
+                          <m:r>
+                            <a:rPr lang="fr-FR" sz="2400" b="0" i="1" dirty="0" smtClean="0">
+                              <a:latin typeface="Cambria Math" panose="02040503050406030204" pitchFamily="18" charset="0"/>
+                            </a:rPr>
+                            <m:t>𝐽</m:t>
+                          </m:r>
+                        </m:e>
+                        <m:sub>
+                          <m:r>
+                            <a:rPr lang="fr-FR" sz="2400" i="1" dirty="0">
+                              <a:latin typeface="Cambria Math" panose="02040503050406030204" pitchFamily="18" charset="0"/>
+                            </a:rPr>
+                            <m:t>𝑆</m:t>
+                          </m:r>
+                        </m:sub>
+                      </m:sSub>
+                    </m:oMath>
+                  </m:oMathPara>
+                </a14:m>
+                <a:endParaRPr lang="en-US" sz="2400" dirty="0"/>
+              </a:p>
+            </p:txBody>
+          </p:sp>
+        </mc:Choice>
+        <mc:Fallback>
+          <p:sp>
+            <p:nvSpPr>
+              <p:cNvPr id="80" name="TextBox 79">
+                <a:extLst>
+                  <a:ext uri="{FF2B5EF4-FFF2-40B4-BE49-F238E27FC236}">
+                    <a16:creationId xmlns:a16="http://schemas.microsoft.com/office/drawing/2014/main" id="{1C68E30C-D279-5A5D-D225-88BAE3B9D36A}"/>
+                  </a:ext>
+                </a:extLst>
+              </p:cNvPr>
+              <p:cNvSpPr txBox="1">
+                <a:spLocks noRot="1" noChangeAspect="1" noMove="1" noResize="1" noEditPoints="1" noAdjustHandles="1" noChangeArrowheads="1" noChangeShapeType="1" noTextEdit="1"/>
+              </p:cNvSpPr>
+              <p:nvPr/>
+            </p:nvSpPr>
+            <p:spPr>
+              <a:xfrm>
+                <a:off x="2357290" y="2916493"/>
+                <a:ext cx="535419" cy="461665"/>
+              </a:xfrm>
+              <a:prstGeom prst="rect">
+                <a:avLst/>
+              </a:prstGeom>
+              <a:blipFill>
+                <a:blip r:embed="rId3"/>
+                <a:stretch>
                   <a:fillRect b="-13158"/>
                 </a:stretch>
               </a:blipFill>
@@ -4730,14 +4845,14 @@
           </p:sp>
         </mc:Fallback>
       </mc:AlternateContent>
-      <mc:AlternateContent xmlns:mc="http://schemas.openxmlformats.org/markup-compatibility/2006" xmlns:a14="http://schemas.microsoft.com/office/drawing/2010/main">
-        <mc:Choice Requires="a14">
+      <mc:AlternateContent xmlns:mc="http://schemas.openxmlformats.org/markup-compatibility/2006">
+        <mc:Choice xmlns:a14="http://schemas.microsoft.com/office/drawing/2010/main" Requires="a14">
           <p:sp>
             <p:nvSpPr>
-              <p:cNvPr id="80" name="TextBox 79">
+              <p:cNvPr id="81" name="TextBox 80">
                 <a:extLst>
                   <a:ext uri="{FF2B5EF4-FFF2-40B4-BE49-F238E27FC236}">
-                    <a16:creationId xmlns:a16="http://schemas.microsoft.com/office/drawing/2014/main" id="{1C68E30C-D279-5A5D-D225-88BAE3B9D36A}"/>
+                    <a16:creationId xmlns:a16="http://schemas.microsoft.com/office/drawing/2014/main" id="{E7A156F6-1643-79DD-CAA3-E69E396425EE}"/>
                   </a:ext>
                 </a:extLst>
               </p:cNvPr>
@@ -4746,7 +4861,7 @@
             </p:nvSpPr>
             <p:spPr>
               <a:xfrm>
-                <a:off x="2291974" y="2935155"/>
+                <a:off x="2347959" y="4909717"/>
                 <a:ext cx="535419" cy="461665"/>
               </a:xfrm>
               <a:prstGeom prst="rect">
@@ -4782,12 +4897,6 @@
                             </a:rPr>
                             <m:t>𝐴</m:t>
                           </m:r>
-                          <m:r>
-                            <a:rPr lang="fr-FR" sz="2400" i="1" dirty="0">
-                              <a:latin typeface="Cambria Math" panose="02040503050406030204" pitchFamily="18" charset="0"/>
-                            </a:rPr>
-                            <m:t>1</m:t>
-                          </m:r>
                         </m:e>
                         <m:sub>
                           <m:r>
@@ -4806,13 +4915,13 @@
             </p:txBody>
           </p:sp>
         </mc:Choice>
-        <mc:Fallback xmlns="">
+        <mc:Fallback>
           <p:sp>
             <p:nvSpPr>
-              <p:cNvPr id="80" name="TextBox 79">
+              <p:cNvPr id="81" name="TextBox 80">
                 <a:extLst>
                   <a:ext uri="{FF2B5EF4-FFF2-40B4-BE49-F238E27FC236}">
-                    <a16:creationId xmlns:a16="http://schemas.microsoft.com/office/drawing/2014/main" id="{1C68E30C-D279-5A5D-D225-88BAE3B9D36A}"/>
+                    <a16:creationId xmlns:a16="http://schemas.microsoft.com/office/drawing/2014/main" id="{E7A156F6-1643-79DD-CAA3-E69E396425EE}"/>
                   </a:ext>
                 </a:extLst>
               </p:cNvPr>
@@ -4823,16 +4932,16 @@
             </p:nvSpPr>
             <p:spPr>
               <a:xfrm>
-                <a:off x="2291974" y="2935155"/>
+                <a:off x="2347959" y="4909717"/>
                 <a:ext cx="535419" cy="461665"/>
               </a:xfrm>
               <a:prstGeom prst="rect">
                 <a:avLst/>
               </a:prstGeom>
               <a:blipFill>
-                <a:blip r:embed="rId3"/>
+                <a:blip r:embed="rId4"/>
                 <a:stretch>
-                  <a:fillRect l="-3409" r="-20455" b="-1316"/>
+                  <a:fillRect b="-1316"/>
                 </a:stretch>
               </a:blipFill>
             </p:spPr>
@@ -4851,14 +4960,14 @@
           </p:sp>
         </mc:Fallback>
       </mc:AlternateContent>
-      <mc:AlternateContent xmlns:mc="http://schemas.openxmlformats.org/markup-compatibility/2006" xmlns:a14="http://schemas.microsoft.com/office/drawing/2010/main">
-        <mc:Choice Requires="a14">
+      <mc:AlternateContent xmlns:mc="http://schemas.openxmlformats.org/markup-compatibility/2006">
+        <mc:Choice xmlns:a14="http://schemas.microsoft.com/office/drawing/2010/main" Requires="a14">
           <p:sp>
             <p:nvSpPr>
-              <p:cNvPr id="81" name="TextBox 80">
+              <p:cNvPr id="82" name="TextBox 81">
                 <a:extLst>
                   <a:ext uri="{FF2B5EF4-FFF2-40B4-BE49-F238E27FC236}">
-                    <a16:creationId xmlns:a16="http://schemas.microsoft.com/office/drawing/2014/main" id="{E7A156F6-1643-79DD-CAA3-E69E396425EE}"/>
+                    <a16:creationId xmlns:a16="http://schemas.microsoft.com/office/drawing/2014/main" id="{EF3A876C-C280-C95A-85EE-6975BA612B68}"/>
                   </a:ext>
                 </a:extLst>
               </p:cNvPr>
@@ -4867,7 +4976,7 @@
             </p:nvSpPr>
             <p:spPr>
               <a:xfrm>
-                <a:off x="2291974" y="4937710"/>
+                <a:off x="5350067" y="4904307"/>
                 <a:ext cx="535419" cy="461665"/>
               </a:xfrm>
               <a:prstGeom prst="rect">
@@ -4903,19 +5012,13 @@
                             </a:rPr>
                             <m:t>𝐴</m:t>
                           </m:r>
-                          <m:r>
-                            <a:rPr lang="fr-FR" sz="2400" i="1" dirty="0">
-                              <a:latin typeface="Cambria Math" panose="02040503050406030204" pitchFamily="18" charset="0"/>
-                            </a:rPr>
-                            <m:t>2</m:t>
-                          </m:r>
                         </m:e>
                         <m:sub>
                           <m:r>
                             <a:rPr lang="fr-FR" sz="2400" i="1" dirty="0">
                               <a:latin typeface="Cambria Math" panose="02040503050406030204" pitchFamily="18" charset="0"/>
                             </a:rPr>
-                            <m:t>𝑆</m:t>
+                            <m:t>𝐸</m:t>
                           </m:r>
                         </m:sub>
                       </m:sSub>
@@ -4927,13 +5030,13 @@
             </p:txBody>
           </p:sp>
         </mc:Choice>
-        <mc:Fallback xmlns="">
+        <mc:Fallback>
           <p:sp>
             <p:nvSpPr>
-              <p:cNvPr id="81" name="TextBox 80">
+              <p:cNvPr id="82" name="TextBox 81">
                 <a:extLst>
                   <a:ext uri="{FF2B5EF4-FFF2-40B4-BE49-F238E27FC236}">
-                    <a16:creationId xmlns:a16="http://schemas.microsoft.com/office/drawing/2014/main" id="{E7A156F6-1643-79DD-CAA3-E69E396425EE}"/>
+                    <a16:creationId xmlns:a16="http://schemas.microsoft.com/office/drawing/2014/main" id="{EF3A876C-C280-C95A-85EE-6975BA612B68}"/>
                   </a:ext>
                 </a:extLst>
               </p:cNvPr>
@@ -4944,16 +5047,16 @@
             </p:nvSpPr>
             <p:spPr>
               <a:xfrm>
-                <a:off x="2291974" y="4937710"/>
+                <a:off x="5350067" y="4904307"/>
                 <a:ext cx="535419" cy="461665"/>
               </a:xfrm>
               <a:prstGeom prst="rect">
                 <a:avLst/>
               </a:prstGeom>
               <a:blipFill>
-                <a:blip r:embed="rId4"/>
+                <a:blip r:embed="rId5"/>
                 <a:stretch>
-                  <a:fillRect l="-3409" r="-20455" b="-1316"/>
+                  <a:fillRect l="-3448" b="-1333"/>
                 </a:stretch>
               </a:blipFill>
             </p:spPr>
@@ -4972,14 +5075,14 @@
           </p:sp>
         </mc:Fallback>
       </mc:AlternateContent>
-      <mc:AlternateContent xmlns:mc="http://schemas.openxmlformats.org/markup-compatibility/2006" xmlns:a14="http://schemas.microsoft.com/office/drawing/2010/main">
-        <mc:Choice Requires="a14">
+      <mc:AlternateContent xmlns:mc="http://schemas.openxmlformats.org/markup-compatibility/2006">
+        <mc:Choice xmlns:a14="http://schemas.microsoft.com/office/drawing/2010/main" Requires="a14">
           <p:sp>
             <p:nvSpPr>
-              <p:cNvPr id="82" name="TextBox 81">
+              <p:cNvPr id="83" name="TextBox 82">
                 <a:extLst>
                   <a:ext uri="{FF2B5EF4-FFF2-40B4-BE49-F238E27FC236}">
-                    <a16:creationId xmlns:a16="http://schemas.microsoft.com/office/drawing/2014/main" id="{EF3A876C-C280-C95A-85EE-6975BA612B68}"/>
+                    <a16:creationId xmlns:a16="http://schemas.microsoft.com/office/drawing/2014/main" id="{A2B0BD14-6E9B-5E32-1AA5-E129664697F8}"/>
                   </a:ext>
                 </a:extLst>
               </p:cNvPr>
@@ -4988,7 +5091,7 @@
             </p:nvSpPr>
             <p:spPr>
               <a:xfrm>
-                <a:off x="5294082" y="4932300"/>
+                <a:off x="8374396" y="4914119"/>
                 <a:ext cx="535419" cy="461665"/>
               </a:xfrm>
               <a:prstGeom prst="rect">
@@ -5024,19 +5127,13 @@
                             </a:rPr>
                             <m:t>𝐴</m:t>
                           </m:r>
-                          <m:r>
-                            <a:rPr lang="fr-FR" sz="2400" i="1" dirty="0">
-                              <a:latin typeface="Cambria Math" panose="02040503050406030204" pitchFamily="18" charset="0"/>
-                            </a:rPr>
-                            <m:t>2</m:t>
-                          </m:r>
                         </m:e>
                         <m:sub>
                           <m:r>
                             <a:rPr lang="fr-FR" sz="2400" i="1" dirty="0">
                               <a:latin typeface="Cambria Math" panose="02040503050406030204" pitchFamily="18" charset="0"/>
                             </a:rPr>
-                            <m:t>𝐸</m:t>
+                            <m:t>𝐼</m:t>
                           </m:r>
                         </m:sub>
                       </m:sSub>
@@ -5048,13 +5145,13 @@
             </p:txBody>
           </p:sp>
         </mc:Choice>
-        <mc:Fallback xmlns="">
+        <mc:Fallback>
           <p:sp>
             <p:nvSpPr>
-              <p:cNvPr id="82" name="TextBox 81">
+              <p:cNvPr id="83" name="TextBox 82">
                 <a:extLst>
                   <a:ext uri="{FF2B5EF4-FFF2-40B4-BE49-F238E27FC236}">
-                    <a16:creationId xmlns:a16="http://schemas.microsoft.com/office/drawing/2014/main" id="{EF3A876C-C280-C95A-85EE-6975BA612B68}"/>
+                    <a16:creationId xmlns:a16="http://schemas.microsoft.com/office/drawing/2014/main" id="{A2B0BD14-6E9B-5E32-1AA5-E129664697F8}"/>
                   </a:ext>
                 </a:extLst>
               </p:cNvPr>
@@ -5065,16 +5162,16 @@
             </p:nvSpPr>
             <p:spPr>
               <a:xfrm>
-                <a:off x="5294082" y="4932300"/>
+                <a:off x="8374396" y="4914119"/>
                 <a:ext cx="535419" cy="461665"/>
               </a:xfrm>
               <a:prstGeom prst="rect">
                 <a:avLst/>
               </a:prstGeom>
               <a:blipFill>
-                <a:blip r:embed="rId5"/>
+                <a:blip r:embed="rId6"/>
                 <a:stretch>
-                  <a:fillRect l="-2273" r="-26136" b="-1316"/>
+                  <a:fillRect b="-1316"/>
                 </a:stretch>
               </a:blipFill>
             </p:spPr>
@@ -5093,14 +5190,14 @@
           </p:sp>
         </mc:Fallback>
       </mc:AlternateContent>
-      <mc:AlternateContent xmlns:mc="http://schemas.openxmlformats.org/markup-compatibility/2006" xmlns:a14="http://schemas.microsoft.com/office/drawing/2010/main">
-        <mc:Choice Requires="a14">
+      <mc:AlternateContent xmlns:mc="http://schemas.openxmlformats.org/markup-compatibility/2006">
+        <mc:Choice xmlns:a14="http://schemas.microsoft.com/office/drawing/2010/main" Requires="a14">
           <p:sp>
             <p:nvSpPr>
-              <p:cNvPr id="83" name="TextBox 82">
+              <p:cNvPr id="84" name="TextBox 83">
                 <a:extLst>
                   <a:ext uri="{FF2B5EF4-FFF2-40B4-BE49-F238E27FC236}">
-                    <a16:creationId xmlns:a16="http://schemas.microsoft.com/office/drawing/2014/main" id="{A2B0BD14-6E9B-5E32-1AA5-E129664697F8}"/>
+                    <a16:creationId xmlns:a16="http://schemas.microsoft.com/office/drawing/2014/main" id="{589DC3E5-EEF6-7012-B8F7-B3B30E5DB01E}"/>
                   </a:ext>
                 </a:extLst>
               </p:cNvPr>
@@ -5109,7 +5206,7 @@
             </p:nvSpPr>
             <p:spPr>
               <a:xfrm>
-                <a:off x="8318411" y="4942112"/>
+                <a:off x="11336095" y="4914118"/>
                 <a:ext cx="535419" cy="461665"/>
               </a:xfrm>
               <a:prstGeom prst="rect">
@@ -5145,19 +5242,13 @@
                             </a:rPr>
                             <m:t>𝐴</m:t>
                           </m:r>
-                          <m:r>
-                            <a:rPr lang="fr-FR" sz="2400" i="1" dirty="0">
-                              <a:latin typeface="Cambria Math" panose="02040503050406030204" pitchFamily="18" charset="0"/>
-                            </a:rPr>
-                            <m:t>2</m:t>
-                          </m:r>
                         </m:e>
                         <m:sub>
                           <m:r>
                             <a:rPr lang="fr-FR" sz="2400" i="1" dirty="0">
                               <a:latin typeface="Cambria Math" panose="02040503050406030204" pitchFamily="18" charset="0"/>
                             </a:rPr>
-                            <m:t>𝐼</m:t>
+                            <m:t>𝑅</m:t>
                           </m:r>
                         </m:sub>
                       </m:sSub>
@@ -5169,13 +5260,13 @@
             </p:txBody>
           </p:sp>
         </mc:Choice>
-        <mc:Fallback xmlns="">
+        <mc:Fallback>
           <p:sp>
             <p:nvSpPr>
-              <p:cNvPr id="83" name="TextBox 82">
+              <p:cNvPr id="84" name="TextBox 83">
                 <a:extLst>
                   <a:ext uri="{FF2B5EF4-FFF2-40B4-BE49-F238E27FC236}">
-                    <a16:creationId xmlns:a16="http://schemas.microsoft.com/office/drawing/2014/main" id="{A2B0BD14-6E9B-5E32-1AA5-E129664697F8}"/>
+                    <a16:creationId xmlns:a16="http://schemas.microsoft.com/office/drawing/2014/main" id="{589DC3E5-EEF6-7012-B8F7-B3B30E5DB01E}"/>
                   </a:ext>
                 </a:extLst>
               </p:cNvPr>
@@ -5186,16 +5277,16 @@
             </p:nvSpPr>
             <p:spPr>
               <a:xfrm>
-                <a:off x="8318411" y="4942112"/>
+                <a:off x="11336095" y="4914118"/>
                 <a:ext cx="535419" cy="461665"/>
               </a:xfrm>
               <a:prstGeom prst="rect">
                 <a:avLst/>
               </a:prstGeom>
               <a:blipFill>
-                <a:blip r:embed="rId6"/>
+                <a:blip r:embed="rId7"/>
                 <a:stretch>
-                  <a:fillRect l="-3448" r="-16092" b="-1333"/>
+                  <a:fillRect l="-3448" b="-1316"/>
                 </a:stretch>
               </a:blipFill>
             </p:spPr>
@@ -5214,14 +5305,14 @@
           </p:sp>
         </mc:Fallback>
       </mc:AlternateContent>
-      <mc:AlternateContent xmlns:mc="http://schemas.openxmlformats.org/markup-compatibility/2006" xmlns:a14="http://schemas.microsoft.com/office/drawing/2010/main">
-        <mc:Choice Requires="a14">
+      <mc:AlternateContent xmlns:mc="http://schemas.openxmlformats.org/markup-compatibility/2006">
+        <mc:Choice xmlns:a14="http://schemas.microsoft.com/office/drawing/2010/main" Requires="a14">
           <p:sp>
             <p:nvSpPr>
-              <p:cNvPr id="84" name="TextBox 83">
+              <p:cNvPr id="85" name="TextBox 84">
                 <a:extLst>
                   <a:ext uri="{FF2B5EF4-FFF2-40B4-BE49-F238E27FC236}">
-                    <a16:creationId xmlns:a16="http://schemas.microsoft.com/office/drawing/2014/main" id="{589DC3E5-EEF6-7012-B8F7-B3B30E5DB01E}"/>
+                    <a16:creationId xmlns:a16="http://schemas.microsoft.com/office/drawing/2014/main" id="{F19814E5-7D92-279C-37BA-446AB1387B73}"/>
                   </a:ext>
                 </a:extLst>
               </p:cNvPr>
@@ -5230,7 +5321,7 @@
             </p:nvSpPr>
             <p:spPr>
               <a:xfrm>
-                <a:off x="11280110" y="4942111"/>
+                <a:off x="5359397" y="2916493"/>
                 <a:ext cx="535419" cy="461665"/>
               </a:xfrm>
               <a:prstGeom prst="rect">
@@ -5254,23 +5345,17 @@
                       <m:sSub>
                         <m:sSubPr>
                           <m:ctrlPr>
-                            <a:rPr lang="fr-FR" sz="2400" i="1" dirty="0">
+                            <a:rPr lang="fr-FR" sz="2400" i="1" dirty="0" smtClean="0">
                               <a:latin typeface="Cambria Math" panose="02040503050406030204" pitchFamily="18" charset="0"/>
                             </a:rPr>
                           </m:ctrlPr>
                         </m:sSubPr>
                         <m:e>
                           <m:r>
-                            <a:rPr lang="fr-FR" sz="2400" i="1" dirty="0">
+                            <a:rPr lang="fr-FR" sz="2400" b="0" i="1" dirty="0" smtClean="0">
                               <a:latin typeface="Cambria Math" panose="02040503050406030204" pitchFamily="18" charset="0"/>
                             </a:rPr>
-                            <m:t>𝐴</m:t>
-                          </m:r>
-                          <m:r>
-                            <a:rPr lang="fr-FR" sz="2400" i="1" dirty="0">
-                              <a:latin typeface="Cambria Math" panose="02040503050406030204" pitchFamily="18" charset="0"/>
-                            </a:rPr>
-                            <m:t>2</m:t>
+                            <m:t>𝐽</m:t>
                           </m:r>
                         </m:e>
                         <m:sub>
@@ -5278,7 +5363,7 @@
                             <a:rPr lang="fr-FR" sz="2400" i="1" dirty="0">
                               <a:latin typeface="Cambria Math" panose="02040503050406030204" pitchFamily="18" charset="0"/>
                             </a:rPr>
-                            <m:t>𝑅</m:t>
+                            <m:t>𝐸</m:t>
                           </m:r>
                         </m:sub>
                       </m:sSub>
@@ -5290,13 +5375,13 @@
             </p:txBody>
           </p:sp>
         </mc:Choice>
-        <mc:Fallback xmlns="">
+        <mc:Fallback>
           <p:sp>
             <p:nvSpPr>
-              <p:cNvPr id="84" name="TextBox 83">
+              <p:cNvPr id="85" name="TextBox 84">
                 <a:extLst>
                   <a:ext uri="{FF2B5EF4-FFF2-40B4-BE49-F238E27FC236}">
-                    <a16:creationId xmlns:a16="http://schemas.microsoft.com/office/drawing/2014/main" id="{589DC3E5-EEF6-7012-B8F7-B3B30E5DB01E}"/>
+                    <a16:creationId xmlns:a16="http://schemas.microsoft.com/office/drawing/2014/main" id="{F19814E5-7D92-279C-37BA-446AB1387B73}"/>
                   </a:ext>
                 </a:extLst>
               </p:cNvPr>
@@ -5307,16 +5392,16 @@
             </p:nvSpPr>
             <p:spPr>
               <a:xfrm>
-                <a:off x="11280110" y="4942111"/>
+                <a:off x="5359397" y="2916493"/>
                 <a:ext cx="535419" cy="461665"/>
               </a:xfrm>
               <a:prstGeom prst="rect">
                 <a:avLst/>
               </a:prstGeom>
               <a:blipFill>
-                <a:blip r:embed="rId7"/>
+                <a:blip r:embed="rId8"/>
                 <a:stretch>
-                  <a:fillRect l="-2273" r="-26136" b="-1333"/>
+                  <a:fillRect b="-13158"/>
                 </a:stretch>
               </a:blipFill>
             </p:spPr>
@@ -5335,14 +5420,14 @@
           </p:sp>
         </mc:Fallback>
       </mc:AlternateContent>
-      <mc:AlternateContent xmlns:mc="http://schemas.openxmlformats.org/markup-compatibility/2006" xmlns:a14="http://schemas.microsoft.com/office/drawing/2010/main">
-        <mc:Choice Requires="a14">
+      <mc:AlternateContent xmlns:mc="http://schemas.openxmlformats.org/markup-compatibility/2006">
+        <mc:Choice xmlns:a14="http://schemas.microsoft.com/office/drawing/2010/main" Requires="a14">
           <p:sp>
             <p:nvSpPr>
-              <p:cNvPr id="85" name="TextBox 84">
+              <p:cNvPr id="86" name="TextBox 85">
                 <a:extLst>
                   <a:ext uri="{FF2B5EF4-FFF2-40B4-BE49-F238E27FC236}">
-                    <a16:creationId xmlns:a16="http://schemas.microsoft.com/office/drawing/2014/main" id="{F19814E5-7D92-279C-37BA-446AB1387B73}"/>
+                    <a16:creationId xmlns:a16="http://schemas.microsoft.com/office/drawing/2014/main" id="{07763DF0-17C0-7919-1D1C-A404A421EE77}"/>
                   </a:ext>
                 </a:extLst>
               </p:cNvPr>
@@ -5351,7 +5436,7 @@
             </p:nvSpPr>
             <p:spPr>
               <a:xfrm>
-                <a:off x="5294081" y="2935155"/>
+                <a:off x="8383726" y="2916492"/>
                 <a:ext cx="535419" cy="461665"/>
               </a:xfrm>
               <a:prstGeom prst="rect">
@@ -5375,23 +5460,17 @@
                       <m:sSub>
                         <m:sSubPr>
                           <m:ctrlPr>
-                            <a:rPr lang="fr-FR" sz="2400" i="1" dirty="0">
+                            <a:rPr lang="fr-FR" sz="2400" i="1" dirty="0" smtClean="0">
                               <a:latin typeface="Cambria Math" panose="02040503050406030204" pitchFamily="18" charset="0"/>
                             </a:rPr>
                           </m:ctrlPr>
                         </m:sSubPr>
                         <m:e>
                           <m:r>
-                            <a:rPr lang="fr-FR" sz="2400" i="1" dirty="0">
+                            <a:rPr lang="fr-FR" sz="2400" b="0" i="1" dirty="0" smtClean="0">
                               <a:latin typeface="Cambria Math" panose="02040503050406030204" pitchFamily="18" charset="0"/>
                             </a:rPr>
-                            <m:t>𝐴</m:t>
-                          </m:r>
-                          <m:r>
-                            <a:rPr lang="fr-FR" sz="2400" i="1" dirty="0">
-                              <a:latin typeface="Cambria Math" panose="02040503050406030204" pitchFamily="18" charset="0"/>
-                            </a:rPr>
-                            <m:t>1</m:t>
+                            <m:t>𝐽</m:t>
                           </m:r>
                         </m:e>
                         <m:sub>
@@ -5399,7 +5478,7 @@
                             <a:rPr lang="fr-FR" sz="2400" i="1" dirty="0">
                               <a:latin typeface="Cambria Math" panose="02040503050406030204" pitchFamily="18" charset="0"/>
                             </a:rPr>
-                            <m:t>𝐸</m:t>
+                            <m:t>𝐼</m:t>
                           </m:r>
                         </m:sub>
                       </m:sSub>
@@ -5411,13 +5490,13 @@
             </p:txBody>
           </p:sp>
         </mc:Choice>
-        <mc:Fallback xmlns="">
+        <mc:Fallback>
           <p:sp>
             <p:nvSpPr>
-              <p:cNvPr id="85" name="TextBox 84">
+              <p:cNvPr id="86" name="TextBox 85">
                 <a:extLst>
                   <a:ext uri="{FF2B5EF4-FFF2-40B4-BE49-F238E27FC236}">
-                    <a16:creationId xmlns:a16="http://schemas.microsoft.com/office/drawing/2014/main" id="{F19814E5-7D92-279C-37BA-446AB1387B73}"/>
+                    <a16:creationId xmlns:a16="http://schemas.microsoft.com/office/drawing/2014/main" id="{07763DF0-17C0-7919-1D1C-A404A421EE77}"/>
                   </a:ext>
                 </a:extLst>
               </p:cNvPr>
@@ -5428,16 +5507,16 @@
             </p:nvSpPr>
             <p:spPr>
               <a:xfrm>
-                <a:off x="5294081" y="2935155"/>
+                <a:off x="8383726" y="2916492"/>
                 <a:ext cx="535419" cy="461665"/>
               </a:xfrm>
               <a:prstGeom prst="rect">
                 <a:avLst/>
               </a:prstGeom>
               <a:blipFill>
-                <a:blip r:embed="rId8"/>
+                <a:blip r:embed="rId9"/>
                 <a:stretch>
-                  <a:fillRect l="-2273" r="-26136" b="-1316"/>
+                  <a:fillRect b="-13158"/>
                 </a:stretch>
               </a:blipFill>
             </p:spPr>
@@ -5456,14 +5535,14 @@
           </p:sp>
         </mc:Fallback>
       </mc:AlternateContent>
-      <mc:AlternateContent xmlns:mc="http://schemas.openxmlformats.org/markup-compatibility/2006" xmlns:a14="http://schemas.microsoft.com/office/drawing/2010/main">
-        <mc:Choice Requires="a14">
+      <mc:AlternateContent xmlns:mc="http://schemas.openxmlformats.org/markup-compatibility/2006">
+        <mc:Choice xmlns:a14="http://schemas.microsoft.com/office/drawing/2010/main" Requires="a14">
           <p:sp>
             <p:nvSpPr>
-              <p:cNvPr id="86" name="TextBox 85">
+              <p:cNvPr id="87" name="TextBox 86">
                 <a:extLst>
                   <a:ext uri="{FF2B5EF4-FFF2-40B4-BE49-F238E27FC236}">
-                    <a16:creationId xmlns:a16="http://schemas.microsoft.com/office/drawing/2014/main" id="{07763DF0-17C0-7919-1D1C-A404A421EE77}"/>
+                    <a16:creationId xmlns:a16="http://schemas.microsoft.com/office/drawing/2014/main" id="{9293F257-EA7F-05FD-089E-C14A565D03D5}"/>
                   </a:ext>
                 </a:extLst>
               </p:cNvPr>
@@ -5472,7 +5551,7 @@
             </p:nvSpPr>
             <p:spPr>
               <a:xfrm>
-                <a:off x="8318410" y="2935154"/>
+                <a:off x="11345426" y="2904155"/>
                 <a:ext cx="535419" cy="461665"/>
               </a:xfrm>
               <a:prstGeom prst="rect">
@@ -5496,144 +5575,17 @@
                       <m:sSub>
                         <m:sSubPr>
                           <m:ctrlPr>
-                            <a:rPr lang="fr-FR" sz="2400" i="1" dirty="0">
+                            <a:rPr lang="fr-FR" sz="2400" i="1" dirty="0" smtClean="0">
                               <a:latin typeface="Cambria Math" panose="02040503050406030204" pitchFamily="18" charset="0"/>
                             </a:rPr>
                           </m:ctrlPr>
                         </m:sSubPr>
                         <m:e>
                           <m:r>
-                            <a:rPr lang="fr-FR" sz="2400" i="1" dirty="0">
+                            <a:rPr lang="fr-FR" sz="2400" b="0" i="1" dirty="0" smtClean="0">
                               <a:latin typeface="Cambria Math" panose="02040503050406030204" pitchFamily="18" charset="0"/>
                             </a:rPr>
-                            <m:t>𝐴</m:t>
-                          </m:r>
-                          <m:r>
-                            <a:rPr lang="fr-FR" sz="2400" i="1" dirty="0">
-                              <a:latin typeface="Cambria Math" panose="02040503050406030204" pitchFamily="18" charset="0"/>
-                            </a:rPr>
-                            <m:t>1</m:t>
-                          </m:r>
-                        </m:e>
-                        <m:sub>
-                          <m:r>
-                            <a:rPr lang="fr-FR" sz="2400" i="1" dirty="0">
-                              <a:latin typeface="Cambria Math" panose="02040503050406030204" pitchFamily="18" charset="0"/>
-                            </a:rPr>
-                            <m:t>𝐼</m:t>
-                          </m:r>
-                        </m:sub>
-                      </m:sSub>
-                    </m:oMath>
-                  </m:oMathPara>
-                </a14:m>
-                <a:endParaRPr lang="en-US" sz="2400" dirty="0"/>
-              </a:p>
-            </p:txBody>
-          </p:sp>
-        </mc:Choice>
-        <mc:Fallback xmlns="">
-          <p:sp>
-            <p:nvSpPr>
-              <p:cNvPr id="86" name="TextBox 85">
-                <a:extLst>
-                  <a:ext uri="{FF2B5EF4-FFF2-40B4-BE49-F238E27FC236}">
-                    <a16:creationId xmlns:a16="http://schemas.microsoft.com/office/drawing/2014/main" id="{07763DF0-17C0-7919-1D1C-A404A421EE77}"/>
-                  </a:ext>
-                </a:extLst>
-              </p:cNvPr>
-              <p:cNvSpPr txBox="1">
-                <a:spLocks noRot="1" noChangeAspect="1" noMove="1" noResize="1" noEditPoints="1" noAdjustHandles="1" noChangeArrowheads="1" noChangeShapeType="1" noTextEdit="1"/>
-              </p:cNvSpPr>
-              <p:nvPr/>
-            </p:nvSpPr>
-            <p:spPr>
-              <a:xfrm>
-                <a:off x="8318410" y="2935154"/>
-                <a:ext cx="535419" cy="461665"/>
-              </a:xfrm>
-              <a:prstGeom prst="rect">
-                <a:avLst/>
-              </a:prstGeom>
-              <a:blipFill>
-                <a:blip r:embed="rId9"/>
-                <a:stretch>
-                  <a:fillRect l="-3448" r="-16092" b="-1316"/>
-                </a:stretch>
-              </a:blipFill>
-            </p:spPr>
-            <p:txBody>
-              <a:bodyPr/>
-              <a:lstStyle/>
-              <a:p>
-                <a:r>
-                  <a:rPr lang="en-US">
-                    <a:noFill/>
-                  </a:rPr>
-                  <a:t> </a:t>
-                </a:r>
-              </a:p>
-            </p:txBody>
-          </p:sp>
-        </mc:Fallback>
-      </mc:AlternateContent>
-      <mc:AlternateContent xmlns:mc="http://schemas.openxmlformats.org/markup-compatibility/2006" xmlns:a14="http://schemas.microsoft.com/office/drawing/2010/main">
-        <mc:Choice Requires="a14">
-          <p:sp>
-            <p:nvSpPr>
-              <p:cNvPr id="87" name="TextBox 86">
-                <a:extLst>
-                  <a:ext uri="{FF2B5EF4-FFF2-40B4-BE49-F238E27FC236}">
-                    <a16:creationId xmlns:a16="http://schemas.microsoft.com/office/drawing/2014/main" id="{9293F257-EA7F-05FD-089E-C14A565D03D5}"/>
-                  </a:ext>
-                </a:extLst>
-              </p:cNvPr>
-              <p:cNvSpPr txBox="1"/>
-              <p:nvPr/>
-            </p:nvSpPr>
-            <p:spPr>
-              <a:xfrm>
-                <a:off x="11280110" y="2922817"/>
-                <a:ext cx="535419" cy="461665"/>
-              </a:xfrm>
-              <a:prstGeom prst="rect">
-                <a:avLst/>
-              </a:prstGeom>
-              <a:noFill/>
-            </p:spPr>
-            <p:txBody>
-              <a:bodyPr wrap="square">
-                <a:spAutoFit/>
-              </a:bodyPr>
-              <a:lstStyle/>
-              <a:p>
-                <a:pPr/>
-                <a14:m>
-                  <m:oMathPara xmlns:m="http://schemas.openxmlformats.org/officeDocument/2006/math">
-                    <m:oMathParaPr>
-                      <m:jc m:val="centerGroup"/>
-                    </m:oMathParaPr>
-                    <m:oMath xmlns:m="http://schemas.openxmlformats.org/officeDocument/2006/math">
-                      <m:sSub>
-                        <m:sSubPr>
-                          <m:ctrlPr>
-                            <a:rPr lang="fr-FR" sz="2400" i="1" dirty="0">
-                              <a:latin typeface="Cambria Math" panose="02040503050406030204" pitchFamily="18" charset="0"/>
-                            </a:rPr>
-                          </m:ctrlPr>
-                        </m:sSubPr>
-                        <m:e>
-                          <m:r>
-                            <a:rPr lang="fr-FR" sz="2400" i="1" dirty="0">
-                              <a:latin typeface="Cambria Math" panose="02040503050406030204" pitchFamily="18" charset="0"/>
-                            </a:rPr>
-                            <m:t>𝐴</m:t>
-                          </m:r>
-                          <m:r>
-                            <a:rPr lang="fr-FR" sz="2400" i="1" dirty="0">
-                              <a:latin typeface="Cambria Math" panose="02040503050406030204" pitchFamily="18" charset="0"/>
-                            </a:rPr>
-                            <m:t>1</m:t>
+                            <m:t>𝐽</m:t>
                           </m:r>
                         </m:e>
                         <m:sub>
@@ -5653,7 +5605,7 @@
             </p:txBody>
           </p:sp>
         </mc:Choice>
-        <mc:Fallback xmlns="">
+        <mc:Fallback>
           <p:sp>
             <p:nvSpPr>
               <p:cNvPr id="87" name="TextBox 86">
@@ -5670,7 +5622,7 @@
             </p:nvSpPr>
             <p:spPr>
               <a:xfrm>
-                <a:off x="11280110" y="2922817"/>
+                <a:off x="11345426" y="2904155"/>
                 <a:ext cx="535419" cy="461665"/>
               </a:xfrm>
               <a:prstGeom prst="rect">
@@ -5679,7 +5631,7 @@
               <a:blipFill>
                 <a:blip r:embed="rId10"/>
                 <a:stretch>
-                  <a:fillRect l="-2273" r="-26136" b="-1316"/>
+                  <a:fillRect b="-13158"/>
                 </a:stretch>
               </a:blipFill>
             </p:spPr>
@@ -5698,8 +5650,8 @@
           </p:sp>
         </mc:Fallback>
       </mc:AlternateContent>
-      <mc:AlternateContent xmlns:mc="http://schemas.openxmlformats.org/markup-compatibility/2006" xmlns:a14="http://schemas.microsoft.com/office/drawing/2010/main">
-        <mc:Choice Requires="a14">
+      <mc:AlternateContent xmlns:mc="http://schemas.openxmlformats.org/markup-compatibility/2006">
+        <mc:Choice xmlns:a14="http://schemas.microsoft.com/office/drawing/2010/main" Requires="a14">
           <p:sp>
             <p:nvSpPr>
               <p:cNvPr id="89" name="TextBox 88">
@@ -5738,17 +5690,17 @@
                       <m:sSub>
                         <m:sSubPr>
                           <m:ctrlPr>
-                            <a:rPr lang="fr-FR" sz="2400" i="1" dirty="0">
+                            <a:rPr lang="fr-FR" sz="2400" i="1" dirty="0" smtClean="0">
                               <a:latin typeface="Cambria Math" panose="02040503050406030204" pitchFamily="18" charset="0"/>
                             </a:rPr>
                           </m:ctrlPr>
                         </m:sSubPr>
                         <m:e>
                           <m:r>
-                            <a:rPr lang="fr-FR" sz="2400" i="1" dirty="0">
+                            <a:rPr lang="fr-FR" sz="2400" b="0" i="1" dirty="0" smtClean="0">
                               <a:latin typeface="Cambria Math" panose="02040503050406030204" pitchFamily="18" charset="0"/>
                             </a:rPr>
-                            <m:t>𝐽</m:t>
+                            <m:t>𝐿</m:t>
                           </m:r>
                         </m:e>
                         <m:sub>
@@ -5768,7 +5720,7 @@
             </p:txBody>
           </p:sp>
         </mc:Choice>
-        <mc:Fallback xmlns="">
+        <mc:Fallback>
           <p:sp>
             <p:nvSpPr>
               <p:cNvPr id="89" name="TextBox 88">
@@ -5794,7 +5746,7 @@
               <a:blipFill>
                 <a:blip r:embed="rId11"/>
                 <a:stretch>
-                  <a:fillRect b="-13158"/>
+                  <a:fillRect l="-1136" b="-1316"/>
                 </a:stretch>
               </a:blipFill>
             </p:spPr>
@@ -5813,8 +5765,8 @@
           </p:sp>
         </mc:Fallback>
       </mc:AlternateContent>
-      <mc:AlternateContent xmlns:mc="http://schemas.openxmlformats.org/markup-compatibility/2006" xmlns:a14="http://schemas.microsoft.com/office/drawing/2010/main">
-        <mc:Choice Requires="a14">
+      <mc:AlternateContent xmlns:mc="http://schemas.openxmlformats.org/markup-compatibility/2006">
+        <mc:Choice xmlns:a14="http://schemas.microsoft.com/office/drawing/2010/main" Requires="a14">
           <p:sp>
             <p:nvSpPr>
               <p:cNvPr id="90" name="TextBox 89">
@@ -5853,17 +5805,17 @@
                       <m:sSub>
                         <m:sSubPr>
                           <m:ctrlPr>
-                            <a:rPr lang="fr-FR" sz="2400" i="1" dirty="0">
+                            <a:rPr lang="fr-FR" sz="2400" i="1" dirty="0" smtClean="0">
                               <a:latin typeface="Cambria Math" panose="02040503050406030204" pitchFamily="18" charset="0"/>
                             </a:rPr>
                           </m:ctrlPr>
                         </m:sSubPr>
                         <m:e>
                           <m:r>
-                            <a:rPr lang="fr-FR" sz="2400" i="1" dirty="0">
+                            <a:rPr lang="fr-FR" sz="2400" b="0" i="1" dirty="0" smtClean="0">
                               <a:latin typeface="Cambria Math" panose="02040503050406030204" pitchFamily="18" charset="0"/>
                             </a:rPr>
-                            <m:t>𝐽</m:t>
+                            <m:t>𝐿</m:t>
                           </m:r>
                         </m:e>
                         <m:sub>
@@ -5883,7 +5835,7 @@
             </p:txBody>
           </p:sp>
         </mc:Choice>
-        <mc:Fallback xmlns="">
+        <mc:Fallback>
           <p:sp>
             <p:nvSpPr>
               <p:cNvPr id="90" name="TextBox 89">
@@ -5909,7 +5861,7 @@
               <a:blipFill>
                 <a:blip r:embed="rId12"/>
                 <a:stretch>
-                  <a:fillRect b="-13158"/>
+                  <a:fillRect b="-1316"/>
                 </a:stretch>
               </a:blipFill>
             </p:spPr>
@@ -5928,8 +5880,8 @@
           </p:sp>
         </mc:Fallback>
       </mc:AlternateContent>
-      <mc:AlternateContent xmlns:mc="http://schemas.openxmlformats.org/markup-compatibility/2006" xmlns:a14="http://schemas.microsoft.com/office/drawing/2010/main">
-        <mc:Choice Requires="a14">
+      <mc:AlternateContent xmlns:mc="http://schemas.openxmlformats.org/markup-compatibility/2006">
+        <mc:Choice xmlns:a14="http://schemas.microsoft.com/office/drawing/2010/main" Requires="a14">
           <p:sp>
             <p:nvSpPr>
               <p:cNvPr id="91" name="TextBox 90">
@@ -5968,17 +5920,17 @@
                       <m:sSub>
                         <m:sSubPr>
                           <m:ctrlPr>
-                            <a:rPr lang="fr-FR" sz="2400" i="1" dirty="0">
+                            <a:rPr lang="fr-FR" sz="2400" i="1" dirty="0" smtClean="0">
                               <a:latin typeface="Cambria Math" panose="02040503050406030204" pitchFamily="18" charset="0"/>
                             </a:rPr>
                           </m:ctrlPr>
                         </m:sSubPr>
                         <m:e>
                           <m:r>
-                            <a:rPr lang="fr-FR" sz="2400" i="1" dirty="0">
+                            <a:rPr lang="fr-FR" sz="2400" b="0" i="1" dirty="0" smtClean="0">
                               <a:latin typeface="Cambria Math" panose="02040503050406030204" pitchFamily="18" charset="0"/>
                             </a:rPr>
-                            <m:t>𝐽</m:t>
+                            <m:t>𝐿</m:t>
                           </m:r>
                         </m:e>
                         <m:sub>
@@ -5998,7 +5950,7 @@
             </p:txBody>
           </p:sp>
         </mc:Choice>
-        <mc:Fallback xmlns="">
+        <mc:Fallback>
           <p:sp>
             <p:nvSpPr>
               <p:cNvPr id="91" name="TextBox 90">
@@ -6024,7 +5976,7 @@
               <a:blipFill>
                 <a:blip r:embed="rId13"/>
                 <a:stretch>
-                  <a:fillRect b="-13158"/>
+                  <a:fillRect l="-1136" b="-1316"/>
                 </a:stretch>
               </a:blipFill>
             </p:spPr>
@@ -6043,8 +5995,8 @@
           </p:sp>
         </mc:Fallback>
       </mc:AlternateContent>
-      <mc:AlternateContent xmlns:mc="http://schemas.openxmlformats.org/markup-compatibility/2006" xmlns:a14="http://schemas.microsoft.com/office/drawing/2010/main">
-        <mc:Choice Requires="a14">
+      <mc:AlternateContent xmlns:mc="http://schemas.openxmlformats.org/markup-compatibility/2006">
+        <mc:Choice xmlns:a14="http://schemas.microsoft.com/office/drawing/2010/main" Requires="a14">
           <p:sp>
             <p:nvSpPr>
               <p:cNvPr id="94" name="TextBox 93">
@@ -6060,7 +6012,7 @@
             <p:spPr>
               <a:xfrm>
                 <a:off x="3540460" y="1245957"/>
-                <a:ext cx="758156" cy="459421"/>
+                <a:ext cx="829265" cy="459421"/>
               </a:xfrm>
               <a:prstGeom prst="rect">
                 <a:avLst/>
@@ -6080,13 +6032,34 @@
                       <m:jc m:val="centerGroup"/>
                     </m:oMathParaPr>
                     <m:oMath xmlns:m="http://schemas.openxmlformats.org/officeDocument/2006/math">
-                      <m:r>
-                        <a:rPr lang="fr-FR" sz="1600" i="1" smtClean="0">
-                          <a:latin typeface="Cambria Math" panose="02040503050406030204" pitchFamily="18" charset="0"/>
-                          <a:ea typeface="Cambria Math" panose="02040503050406030204" pitchFamily="18" charset="0"/>
-                        </a:rPr>
-                        <m:t>𝛽</m:t>
-                      </m:r>
+                      <m:sSub>
+                        <m:sSubPr>
+                          <m:ctrlPr>
+                            <a:rPr lang="fr-FR" sz="1600" b="0" i="1" smtClean="0">
+                              <a:latin typeface="Cambria Math" panose="02040503050406030204" pitchFamily="18" charset="0"/>
+                              <a:ea typeface="Cambria Math" panose="02040503050406030204" pitchFamily="18" charset="0"/>
+                            </a:rPr>
+                          </m:ctrlPr>
+                        </m:sSubPr>
+                        <m:e>
+                          <m:r>
+                            <a:rPr lang="fr-FR" sz="1600" i="1" smtClean="0">
+                              <a:latin typeface="Cambria Math" panose="02040503050406030204" pitchFamily="18" charset="0"/>
+                              <a:ea typeface="Cambria Math" panose="02040503050406030204" pitchFamily="18" charset="0"/>
+                            </a:rPr>
+                            <m:t>𝛽</m:t>
+                          </m:r>
+                        </m:e>
+                        <m:sub>
+                          <m:r>
+                            <a:rPr lang="fr-FR" sz="1600" b="0" i="1" smtClean="0">
+                              <a:latin typeface="Cambria Math" panose="02040503050406030204" pitchFamily="18" charset="0"/>
+                              <a:ea typeface="Cambria Math" panose="02040503050406030204" pitchFamily="18" charset="0"/>
+                            </a:rPr>
+                            <m:t>1</m:t>
+                          </m:r>
+                        </m:sub>
+                      </m:sSub>
                       <m:r>
                         <a:rPr lang="fr-FR" sz="1600" i="1">
                           <a:latin typeface="Cambria Math" panose="02040503050406030204" pitchFamily="18" charset="0"/>
@@ -6158,7 +6131,7 @@
             </p:txBody>
           </p:sp>
         </mc:Choice>
-        <mc:Fallback xmlns="">
+        <mc:Fallback>
           <p:sp>
             <p:nvSpPr>
               <p:cNvPr id="94" name="TextBox 93">
@@ -6176,7 +6149,7 @@
             <p:spPr>
               <a:xfrm>
                 <a:off x="3540460" y="1245957"/>
-                <a:ext cx="758156" cy="459421"/>
+                <a:ext cx="829265" cy="459421"/>
               </a:xfrm>
               <a:prstGeom prst="rect">
                 <a:avLst/>
@@ -6203,8 +6176,8 @@
           </p:sp>
         </mc:Fallback>
       </mc:AlternateContent>
-      <mc:AlternateContent xmlns:mc="http://schemas.openxmlformats.org/markup-compatibility/2006" xmlns:a14="http://schemas.microsoft.com/office/drawing/2010/main">
-        <mc:Choice Requires="a14">
+      <mc:AlternateContent xmlns:mc="http://schemas.openxmlformats.org/markup-compatibility/2006">
+        <mc:Choice xmlns:a14="http://schemas.microsoft.com/office/drawing/2010/main" Requires="a14">
           <p:sp>
             <p:nvSpPr>
               <p:cNvPr id="95" name="TextBox 94">
@@ -6220,7 +6193,7 @@
             <p:spPr>
               <a:xfrm>
                 <a:off x="3540460" y="3266589"/>
-                <a:ext cx="758156" cy="459421"/>
+                <a:ext cx="829265" cy="459421"/>
               </a:xfrm>
               <a:prstGeom prst="rect">
                 <a:avLst/>
@@ -6240,13 +6213,34 @@
                       <m:jc m:val="centerGroup"/>
                     </m:oMathParaPr>
                     <m:oMath xmlns:m="http://schemas.openxmlformats.org/officeDocument/2006/math">
-                      <m:r>
-                        <a:rPr lang="fr-FR" sz="1600" i="1" smtClean="0">
-                          <a:latin typeface="Cambria Math" panose="02040503050406030204" pitchFamily="18" charset="0"/>
-                          <a:ea typeface="Cambria Math" panose="02040503050406030204" pitchFamily="18" charset="0"/>
-                        </a:rPr>
-                        <m:t>𝛽</m:t>
-                      </m:r>
+                      <m:sSub>
+                        <m:sSubPr>
+                          <m:ctrlPr>
+                            <a:rPr lang="fr-FR" sz="1600" b="0" i="1" smtClean="0">
+                              <a:latin typeface="Cambria Math" panose="02040503050406030204" pitchFamily="18" charset="0"/>
+                              <a:ea typeface="Cambria Math" panose="02040503050406030204" pitchFamily="18" charset="0"/>
+                            </a:rPr>
+                          </m:ctrlPr>
+                        </m:sSubPr>
+                        <m:e>
+                          <m:r>
+                            <a:rPr lang="fr-FR" sz="1600" i="1" smtClean="0">
+                              <a:latin typeface="Cambria Math" panose="02040503050406030204" pitchFamily="18" charset="0"/>
+                              <a:ea typeface="Cambria Math" panose="02040503050406030204" pitchFamily="18" charset="0"/>
+                            </a:rPr>
+                            <m:t>𝛽</m:t>
+                          </m:r>
+                        </m:e>
+                        <m:sub>
+                          <m:r>
+                            <a:rPr lang="fr-FR" sz="1600" b="0" i="1" smtClean="0">
+                              <a:latin typeface="Cambria Math" panose="02040503050406030204" pitchFamily="18" charset="0"/>
+                              <a:ea typeface="Cambria Math" panose="02040503050406030204" pitchFamily="18" charset="0"/>
+                            </a:rPr>
+                            <m:t>1</m:t>
+                          </m:r>
+                        </m:sub>
+                      </m:sSub>
                       <m:r>
                         <a:rPr lang="fr-FR" sz="1600" i="1">
                           <a:latin typeface="Cambria Math" panose="02040503050406030204" pitchFamily="18" charset="0"/>
@@ -6318,7 +6312,7 @@
             </p:txBody>
           </p:sp>
         </mc:Choice>
-        <mc:Fallback xmlns="">
+        <mc:Fallback>
           <p:sp>
             <p:nvSpPr>
               <p:cNvPr id="95" name="TextBox 94">
@@ -6336,7 +6330,7 @@
             <p:spPr>
               <a:xfrm>
                 <a:off x="3540460" y="3266589"/>
-                <a:ext cx="758156" cy="459421"/>
+                <a:ext cx="829265" cy="459421"/>
               </a:xfrm>
               <a:prstGeom prst="rect">
                 <a:avLst/>
@@ -6363,8 +6357,8 @@
           </p:sp>
         </mc:Fallback>
       </mc:AlternateContent>
-      <mc:AlternateContent xmlns:mc="http://schemas.openxmlformats.org/markup-compatibility/2006" xmlns:a14="http://schemas.microsoft.com/office/drawing/2010/main">
-        <mc:Choice Requires="a14">
+      <mc:AlternateContent xmlns:mc="http://schemas.openxmlformats.org/markup-compatibility/2006">
+        <mc:Choice xmlns:a14="http://schemas.microsoft.com/office/drawing/2010/main" Requires="a14">
           <p:sp>
             <p:nvSpPr>
               <p:cNvPr id="96" name="TextBox 95">
@@ -6380,7 +6374,7 @@
             <p:spPr>
               <a:xfrm>
                 <a:off x="3540460" y="4650264"/>
-                <a:ext cx="758156" cy="459421"/>
+                <a:ext cx="829265" cy="459421"/>
               </a:xfrm>
               <a:prstGeom prst="rect">
                 <a:avLst/>
@@ -6400,13 +6394,34 @@
                       <m:jc m:val="centerGroup"/>
                     </m:oMathParaPr>
                     <m:oMath xmlns:m="http://schemas.openxmlformats.org/officeDocument/2006/math">
-                      <m:r>
-                        <a:rPr lang="fr-FR" sz="1600" i="1" smtClean="0">
-                          <a:latin typeface="Cambria Math" panose="02040503050406030204" pitchFamily="18" charset="0"/>
-                          <a:ea typeface="Cambria Math" panose="02040503050406030204" pitchFamily="18" charset="0"/>
-                        </a:rPr>
-                        <m:t>𝛽</m:t>
-                      </m:r>
+                      <m:sSub>
+                        <m:sSubPr>
+                          <m:ctrlPr>
+                            <a:rPr lang="fr-FR" sz="1600" b="0" i="1" smtClean="0">
+                              <a:latin typeface="Cambria Math" panose="02040503050406030204" pitchFamily="18" charset="0"/>
+                              <a:ea typeface="Cambria Math" panose="02040503050406030204" pitchFamily="18" charset="0"/>
+                            </a:rPr>
+                          </m:ctrlPr>
+                        </m:sSubPr>
+                        <m:e>
+                          <m:r>
+                            <a:rPr lang="fr-FR" sz="1600" i="1" smtClean="0">
+                              <a:latin typeface="Cambria Math" panose="02040503050406030204" pitchFamily="18" charset="0"/>
+                              <a:ea typeface="Cambria Math" panose="02040503050406030204" pitchFamily="18" charset="0"/>
+                            </a:rPr>
+                            <m:t>𝛽</m:t>
+                          </m:r>
+                        </m:e>
+                        <m:sub>
+                          <m:r>
+                            <a:rPr lang="fr-FR" sz="1600" b="0" i="1" smtClean="0">
+                              <a:latin typeface="Cambria Math" panose="02040503050406030204" pitchFamily="18" charset="0"/>
+                              <a:ea typeface="Cambria Math" panose="02040503050406030204" pitchFamily="18" charset="0"/>
+                            </a:rPr>
+                            <m:t>1</m:t>
+                          </m:r>
+                        </m:sub>
+                      </m:sSub>
                       <m:r>
                         <a:rPr lang="fr-FR" sz="1600" i="1">
                           <a:latin typeface="Cambria Math" panose="02040503050406030204" pitchFamily="18" charset="0"/>
@@ -6478,7 +6493,7 @@
             </p:txBody>
           </p:sp>
         </mc:Choice>
-        <mc:Fallback xmlns="">
+        <mc:Fallback>
           <p:sp>
             <p:nvSpPr>
               <p:cNvPr id="96" name="TextBox 95">
@@ -6496,7 +6511,7 @@
             <p:spPr>
               <a:xfrm>
                 <a:off x="3540460" y="4650264"/>
-                <a:ext cx="758156" cy="459421"/>
+                <a:ext cx="829265" cy="459421"/>
               </a:xfrm>
               <a:prstGeom prst="rect">
                 <a:avLst/>
@@ -6717,8 +6732,8 @@
           </p:sp>
         </mc:Fallback>
       </mc:AlternateContent>
-      <mc:AlternateContent xmlns:mc="http://schemas.openxmlformats.org/markup-compatibility/2006" xmlns:a14="http://schemas.microsoft.com/office/drawing/2010/main">
-        <mc:Choice Requires="a14">
+      <mc:AlternateContent xmlns:mc="http://schemas.openxmlformats.org/markup-compatibility/2006">
+        <mc:Choice xmlns:a14="http://schemas.microsoft.com/office/drawing/2010/main" Requires="a14">
           <p:sp>
             <p:nvSpPr>
               <p:cNvPr id="106" name="TextBox 105">
@@ -6734,7 +6749,7 @@
             <p:spPr>
               <a:xfrm>
                 <a:off x="2312466" y="1942049"/>
-                <a:ext cx="260712" cy="276999"/>
+                <a:ext cx="264111" cy="276999"/>
               </a:xfrm>
               <a:prstGeom prst="rect">
                 <a:avLst/>
@@ -6773,10 +6788,11 @@
                         </m:e>
                         <m:sub>
                           <m:r>
-                            <a:rPr lang="fr-FR" i="1">
+                            <a:rPr lang="fr-FR" b="0" i="1" smtClean="0">
                               <a:latin typeface="Cambria Math" panose="02040503050406030204" pitchFamily="18" charset="0"/>
+                              <a:ea typeface="Cambria Math" panose="02040503050406030204" pitchFamily="18" charset="0"/>
                             </a:rPr>
-                            <m:t>1</m:t>
+                            <m:t>𝐿</m:t>
                           </m:r>
                         </m:sub>
                       </m:sSub>
@@ -6788,7 +6804,7 @@
             </p:txBody>
           </p:sp>
         </mc:Choice>
-        <mc:Fallback xmlns="">
+        <mc:Fallback>
           <p:sp>
             <p:nvSpPr>
               <p:cNvPr id="106" name="TextBox 105">
@@ -6806,7 +6822,7 @@
             <p:spPr>
               <a:xfrm>
                 <a:off x="2312466" y="1942049"/>
-                <a:ext cx="260712" cy="276999"/>
+                <a:ext cx="264111" cy="276999"/>
               </a:xfrm>
               <a:prstGeom prst="rect">
                 <a:avLst/>
@@ -6814,7 +6830,7 @@
               <a:blipFill>
                 <a:blip r:embed="rId19"/>
                 <a:stretch>
-                  <a:fillRect l="-13953" r="-6977" b="-15556"/>
+                  <a:fillRect l="-13636" r="-4545" b="-15556"/>
                 </a:stretch>
               </a:blipFill>
             </p:spPr>
@@ -6833,8 +6849,8 @@
           </p:sp>
         </mc:Fallback>
       </mc:AlternateContent>
-      <mc:AlternateContent xmlns:mc="http://schemas.openxmlformats.org/markup-compatibility/2006" xmlns:a14="http://schemas.microsoft.com/office/drawing/2010/main">
-        <mc:Choice Requires="a14">
+      <mc:AlternateContent xmlns:mc="http://schemas.openxmlformats.org/markup-compatibility/2006">
+        <mc:Choice xmlns:a14="http://schemas.microsoft.com/office/drawing/2010/main" Requires="a14">
           <p:sp>
             <p:nvSpPr>
               <p:cNvPr id="107" name="TextBox 106">
@@ -6850,7 +6866,7 @@
             <p:spPr>
               <a:xfrm>
                 <a:off x="5284483" y="1942049"/>
-                <a:ext cx="260712" cy="276999"/>
+                <a:ext cx="264111" cy="276999"/>
               </a:xfrm>
               <a:prstGeom prst="rect">
                 <a:avLst/>
@@ -6873,7 +6889,7 @@
                       <m:sSub>
                         <m:sSubPr>
                           <m:ctrlPr>
-                            <a:rPr lang="fr-FR" i="1">
+                            <a:rPr lang="fr-FR" i="1" smtClean="0">
                               <a:latin typeface="Cambria Math" panose="02040503050406030204" pitchFamily="18" charset="0"/>
                             </a:rPr>
                           </m:ctrlPr>
@@ -6889,10 +6905,11 @@
                         </m:e>
                         <m:sub>
                           <m:r>
-                            <a:rPr lang="fr-FR" i="1">
+                            <a:rPr lang="fr-FR" b="0" i="1" smtClean="0">
                               <a:latin typeface="Cambria Math" panose="02040503050406030204" pitchFamily="18" charset="0"/>
+                              <a:ea typeface="Cambria Math" panose="02040503050406030204" pitchFamily="18" charset="0"/>
                             </a:rPr>
-                            <m:t>1</m:t>
+                            <m:t>𝐿</m:t>
                           </m:r>
                         </m:sub>
                       </m:sSub>
@@ -6904,7 +6921,7 @@
             </p:txBody>
           </p:sp>
         </mc:Choice>
-        <mc:Fallback xmlns="">
+        <mc:Fallback>
           <p:sp>
             <p:nvSpPr>
               <p:cNvPr id="107" name="TextBox 106">
@@ -6922,7 +6939,7 @@
             <p:spPr>
               <a:xfrm>
                 <a:off x="5284483" y="1942049"/>
-                <a:ext cx="260712" cy="276999"/>
+                <a:ext cx="264111" cy="276999"/>
               </a:xfrm>
               <a:prstGeom prst="rect">
                 <a:avLst/>
@@ -6949,8 +6966,8 @@
           </p:sp>
         </mc:Fallback>
       </mc:AlternateContent>
-      <mc:AlternateContent xmlns:mc="http://schemas.openxmlformats.org/markup-compatibility/2006" xmlns:a14="http://schemas.microsoft.com/office/drawing/2010/main">
-        <mc:Choice Requires="a14">
+      <mc:AlternateContent xmlns:mc="http://schemas.openxmlformats.org/markup-compatibility/2006">
+        <mc:Choice xmlns:a14="http://schemas.microsoft.com/office/drawing/2010/main" Requires="a14">
           <p:sp>
             <p:nvSpPr>
               <p:cNvPr id="108" name="TextBox 107">
@@ -6966,7 +6983,7 @@
             <p:spPr>
               <a:xfrm>
                 <a:off x="8324616" y="1942048"/>
-                <a:ext cx="260712" cy="276999"/>
+                <a:ext cx="264111" cy="276999"/>
               </a:xfrm>
               <a:prstGeom prst="rect">
                 <a:avLst/>
@@ -6989,7 +7006,7 @@
                       <m:sSub>
                         <m:sSubPr>
                           <m:ctrlPr>
-                            <a:rPr lang="fr-FR" i="1">
+                            <a:rPr lang="fr-FR" i="1" smtClean="0">
                               <a:latin typeface="Cambria Math" panose="02040503050406030204" pitchFamily="18" charset="0"/>
                             </a:rPr>
                           </m:ctrlPr>
@@ -7005,10 +7022,11 @@
                         </m:e>
                         <m:sub>
                           <m:r>
-                            <a:rPr lang="fr-FR" i="1">
+                            <a:rPr lang="fr-FR" b="0" i="1" smtClean="0">
                               <a:latin typeface="Cambria Math" panose="02040503050406030204" pitchFamily="18" charset="0"/>
+                              <a:ea typeface="Cambria Math" panose="02040503050406030204" pitchFamily="18" charset="0"/>
                             </a:rPr>
-                            <m:t>1</m:t>
+                            <m:t>𝐿</m:t>
                           </m:r>
                         </m:sub>
                       </m:sSub>
@@ -7020,7 +7038,7 @@
             </p:txBody>
           </p:sp>
         </mc:Choice>
-        <mc:Fallback xmlns="">
+        <mc:Fallback>
           <p:sp>
             <p:nvSpPr>
               <p:cNvPr id="108" name="TextBox 107">
@@ -7038,7 +7056,7 @@
             <p:spPr>
               <a:xfrm>
                 <a:off x="8324616" y="1942048"/>
-                <a:ext cx="260712" cy="276999"/>
+                <a:ext cx="264111" cy="276999"/>
               </a:xfrm>
               <a:prstGeom prst="rect">
                 <a:avLst/>
@@ -7046,7 +7064,7 @@
               <a:blipFill>
                 <a:blip r:embed="rId21"/>
                 <a:stretch>
-                  <a:fillRect l="-14286" r="-7143" b="-15556"/>
+                  <a:fillRect l="-13953" r="-4651" b="-15556"/>
                 </a:stretch>
               </a:blipFill>
             </p:spPr>
@@ -7065,8 +7083,8 @@
           </p:sp>
         </mc:Fallback>
       </mc:AlternateContent>
-      <mc:AlternateContent xmlns:mc="http://schemas.openxmlformats.org/markup-compatibility/2006" xmlns:a14="http://schemas.microsoft.com/office/drawing/2010/main">
-        <mc:Choice Requires="a14">
+      <mc:AlternateContent xmlns:mc="http://schemas.openxmlformats.org/markup-compatibility/2006">
+        <mc:Choice xmlns:a14="http://schemas.microsoft.com/office/drawing/2010/main" Requires="a14">
           <p:sp>
             <p:nvSpPr>
               <p:cNvPr id="109" name="TextBox 108">
@@ -7082,7 +7100,7 @@
             <p:spPr>
               <a:xfrm>
                 <a:off x="11290426" y="1942048"/>
-                <a:ext cx="260712" cy="276999"/>
+                <a:ext cx="264111" cy="276999"/>
               </a:xfrm>
               <a:prstGeom prst="rect">
                 <a:avLst/>
@@ -7105,7 +7123,7 @@
                       <m:sSub>
                         <m:sSubPr>
                           <m:ctrlPr>
-                            <a:rPr lang="fr-FR" i="1">
+                            <a:rPr lang="fr-FR" i="1" smtClean="0">
                               <a:latin typeface="Cambria Math" panose="02040503050406030204" pitchFamily="18" charset="0"/>
                             </a:rPr>
                           </m:ctrlPr>
@@ -7121,10 +7139,11 @@
                         </m:e>
                         <m:sub>
                           <m:r>
-                            <a:rPr lang="fr-FR" i="1">
+                            <a:rPr lang="fr-FR" b="0" i="1" smtClean="0">
                               <a:latin typeface="Cambria Math" panose="02040503050406030204" pitchFamily="18" charset="0"/>
+                              <a:ea typeface="Cambria Math" panose="02040503050406030204" pitchFamily="18" charset="0"/>
                             </a:rPr>
-                            <m:t>1</m:t>
+                            <m:t>𝐿</m:t>
                           </m:r>
                         </m:sub>
                       </m:sSub>
@@ -7136,7 +7155,7 @@
             </p:txBody>
           </p:sp>
         </mc:Choice>
-        <mc:Fallback xmlns="">
+        <mc:Fallback>
           <p:sp>
             <p:nvSpPr>
               <p:cNvPr id="109" name="TextBox 108">
@@ -7154,7 +7173,7 @@
             <p:spPr>
               <a:xfrm>
                 <a:off x="11290426" y="1942048"/>
-                <a:ext cx="260712" cy="276999"/>
+                <a:ext cx="264111" cy="276999"/>
               </a:xfrm>
               <a:prstGeom prst="rect">
                 <a:avLst/>
@@ -7181,8 +7200,8 @@
           </p:sp>
         </mc:Fallback>
       </mc:AlternateContent>
-      <mc:AlternateContent xmlns:mc="http://schemas.openxmlformats.org/markup-compatibility/2006" xmlns:a14="http://schemas.microsoft.com/office/drawing/2010/main">
-        <mc:Choice Requires="a14">
+      <mc:AlternateContent xmlns:mc="http://schemas.openxmlformats.org/markup-compatibility/2006">
+        <mc:Choice xmlns:a14="http://schemas.microsoft.com/office/drawing/2010/main" Requires="a14">
           <p:sp>
             <p:nvSpPr>
               <p:cNvPr id="110" name="TextBox 109">
@@ -7198,7 +7217,7 @@
             <p:spPr>
               <a:xfrm>
                 <a:off x="2312466" y="4020514"/>
-                <a:ext cx="266034" cy="276999"/>
+                <a:ext cx="242246" cy="296428"/>
               </a:xfrm>
               <a:prstGeom prst="rect">
                 <a:avLst/>
@@ -7221,7 +7240,7 @@
                       <m:sSub>
                         <m:sSubPr>
                           <m:ctrlPr>
-                            <a:rPr lang="fr-FR" i="1">
+                            <a:rPr lang="fr-FR" i="1" smtClean="0">
                               <a:latin typeface="Cambria Math" panose="02040503050406030204" pitchFamily="18" charset="0"/>
                             </a:rPr>
                           </m:ctrlPr>
@@ -7237,10 +7256,11 @@
                         </m:e>
                         <m:sub>
                           <m:r>
-                            <a:rPr lang="fr-FR" i="1">
+                            <a:rPr lang="fr-FR" b="0" i="1" smtClean="0">
                               <a:latin typeface="Cambria Math" panose="02040503050406030204" pitchFamily="18" charset="0"/>
+                              <a:ea typeface="Cambria Math" panose="02040503050406030204" pitchFamily="18" charset="0"/>
                             </a:rPr>
-                            <m:t>2</m:t>
+                            <m:t>𝐽</m:t>
                           </m:r>
                         </m:sub>
                       </m:sSub>
@@ -7252,7 +7272,7 @@
             </p:txBody>
           </p:sp>
         </mc:Choice>
-        <mc:Fallback xmlns="">
+        <mc:Fallback>
           <p:sp>
             <p:nvSpPr>
               <p:cNvPr id="110" name="TextBox 109">
@@ -7270,7 +7290,7 @@
             <p:spPr>
               <a:xfrm>
                 <a:off x="2312466" y="4020514"/>
-                <a:ext cx="266034" cy="276999"/>
+                <a:ext cx="242246" cy="296428"/>
               </a:xfrm>
               <a:prstGeom prst="rect">
                 <a:avLst/>
@@ -7278,7 +7298,7 @@
               <a:blipFill>
                 <a:blip r:embed="rId23"/>
                 <a:stretch>
-                  <a:fillRect l="-13636" r="-6818" b="-15556"/>
+                  <a:fillRect l="-15000" r="-12500" b="-27083"/>
                 </a:stretch>
               </a:blipFill>
             </p:spPr>
@@ -7297,8 +7317,8 @@
           </p:sp>
         </mc:Fallback>
       </mc:AlternateContent>
-      <mc:AlternateContent xmlns:mc="http://schemas.openxmlformats.org/markup-compatibility/2006" xmlns:a14="http://schemas.microsoft.com/office/drawing/2010/main">
-        <mc:Choice Requires="a14">
+      <mc:AlternateContent xmlns:mc="http://schemas.openxmlformats.org/markup-compatibility/2006">
+        <mc:Choice xmlns:a14="http://schemas.microsoft.com/office/drawing/2010/main" Requires="a14">
           <p:sp>
             <p:nvSpPr>
               <p:cNvPr id="111" name="TextBox 110">
@@ -7314,7 +7334,7 @@
             <p:spPr>
               <a:xfrm>
                 <a:off x="5289516" y="4020514"/>
-                <a:ext cx="266034" cy="276999"/>
+                <a:ext cx="242246" cy="296428"/>
               </a:xfrm>
               <a:prstGeom prst="rect">
                 <a:avLst/>
@@ -7337,7 +7357,7 @@
                       <m:sSub>
                         <m:sSubPr>
                           <m:ctrlPr>
-                            <a:rPr lang="fr-FR" i="1">
+                            <a:rPr lang="fr-FR" i="1" smtClean="0">
                               <a:latin typeface="Cambria Math" panose="02040503050406030204" pitchFamily="18" charset="0"/>
                             </a:rPr>
                           </m:ctrlPr>
@@ -7353,10 +7373,11 @@
                         </m:e>
                         <m:sub>
                           <m:r>
-                            <a:rPr lang="fr-FR" i="1">
+                            <a:rPr lang="fr-FR" b="0" i="1" smtClean="0">
                               <a:latin typeface="Cambria Math" panose="02040503050406030204" pitchFamily="18" charset="0"/>
+                              <a:ea typeface="Cambria Math" panose="02040503050406030204" pitchFamily="18" charset="0"/>
                             </a:rPr>
-                            <m:t>2</m:t>
+                            <m:t>𝐽</m:t>
                           </m:r>
                         </m:sub>
                       </m:sSub>
@@ -7368,7 +7389,7 @@
             </p:txBody>
           </p:sp>
         </mc:Choice>
-        <mc:Fallback xmlns="">
+        <mc:Fallback>
           <p:sp>
             <p:nvSpPr>
               <p:cNvPr id="111" name="TextBox 110">
@@ -7386,7 +7407,7 @@
             <p:spPr>
               <a:xfrm>
                 <a:off x="5289516" y="4020514"/>
-                <a:ext cx="266034" cy="276999"/>
+                <a:ext cx="242246" cy="296428"/>
               </a:xfrm>
               <a:prstGeom prst="rect">
                 <a:avLst/>
@@ -7394,7 +7415,7 @@
               <a:blipFill>
                 <a:blip r:embed="rId24"/>
                 <a:stretch>
-                  <a:fillRect l="-13953" r="-6977" b="-15556"/>
+                  <a:fillRect l="-15385" r="-15385" b="-27083"/>
                 </a:stretch>
               </a:blipFill>
             </p:spPr>
@@ -7413,8 +7434,8 @@
           </p:sp>
         </mc:Fallback>
       </mc:AlternateContent>
-      <mc:AlternateContent xmlns:mc="http://schemas.openxmlformats.org/markup-compatibility/2006" xmlns:a14="http://schemas.microsoft.com/office/drawing/2010/main">
-        <mc:Choice Requires="a14">
+      <mc:AlternateContent xmlns:mc="http://schemas.openxmlformats.org/markup-compatibility/2006">
+        <mc:Choice xmlns:a14="http://schemas.microsoft.com/office/drawing/2010/main" Requires="a14">
           <p:sp>
             <p:nvSpPr>
               <p:cNvPr id="112" name="TextBox 111">
@@ -7430,7 +7451,7 @@
             <p:spPr>
               <a:xfrm>
                 <a:off x="8335577" y="4036097"/>
-                <a:ext cx="266034" cy="276999"/>
+                <a:ext cx="242246" cy="296428"/>
               </a:xfrm>
               <a:prstGeom prst="rect">
                 <a:avLst/>
@@ -7453,7 +7474,7 @@
                       <m:sSub>
                         <m:sSubPr>
                           <m:ctrlPr>
-                            <a:rPr lang="fr-FR" i="1">
+                            <a:rPr lang="fr-FR" i="1" smtClean="0">
                               <a:latin typeface="Cambria Math" panose="02040503050406030204" pitchFamily="18" charset="0"/>
                             </a:rPr>
                           </m:ctrlPr>
@@ -7469,10 +7490,11 @@
                         </m:e>
                         <m:sub>
                           <m:r>
-                            <a:rPr lang="fr-FR" i="1">
+                            <a:rPr lang="fr-FR" b="0" i="1" smtClean="0">
                               <a:latin typeface="Cambria Math" panose="02040503050406030204" pitchFamily="18" charset="0"/>
+                              <a:ea typeface="Cambria Math" panose="02040503050406030204" pitchFamily="18" charset="0"/>
                             </a:rPr>
-                            <m:t>2</m:t>
+                            <m:t>𝐽</m:t>
                           </m:r>
                         </m:sub>
                       </m:sSub>
@@ -7484,7 +7506,7 @@
             </p:txBody>
           </p:sp>
         </mc:Choice>
-        <mc:Fallback xmlns="">
+        <mc:Fallback>
           <p:sp>
             <p:nvSpPr>
               <p:cNvPr id="112" name="TextBox 111">
@@ -7502,7 +7524,7 @@
             <p:spPr>
               <a:xfrm>
                 <a:off x="8335577" y="4036097"/>
-                <a:ext cx="266034" cy="276999"/>
+                <a:ext cx="242246" cy="296428"/>
               </a:xfrm>
               <a:prstGeom prst="rect">
                 <a:avLst/>
@@ -7510,7 +7532,7 @@
               <a:blipFill>
                 <a:blip r:embed="rId25"/>
                 <a:stretch>
-                  <a:fillRect l="-13636" r="-6818" b="-15217"/>
+                  <a:fillRect l="-15000" r="-12500" b="-24490"/>
                 </a:stretch>
               </a:blipFill>
             </p:spPr>
@@ -7529,8 +7551,8 @@
           </p:sp>
         </mc:Fallback>
       </mc:AlternateContent>
-      <mc:AlternateContent xmlns:mc="http://schemas.openxmlformats.org/markup-compatibility/2006" xmlns:a14="http://schemas.microsoft.com/office/drawing/2010/main">
-        <mc:Choice Requires="a14">
+      <mc:AlternateContent xmlns:mc="http://schemas.openxmlformats.org/markup-compatibility/2006">
+        <mc:Choice xmlns:a14="http://schemas.microsoft.com/office/drawing/2010/main" Requires="a14">
           <p:sp>
             <p:nvSpPr>
               <p:cNvPr id="113" name="TextBox 112">
@@ -7546,7 +7568,7 @@
             <p:spPr>
               <a:xfrm>
                 <a:off x="11316498" y="4020431"/>
-                <a:ext cx="266034" cy="276999"/>
+                <a:ext cx="242246" cy="296428"/>
               </a:xfrm>
               <a:prstGeom prst="rect">
                 <a:avLst/>
@@ -7569,7 +7591,7 @@
                       <m:sSub>
                         <m:sSubPr>
                           <m:ctrlPr>
-                            <a:rPr lang="fr-FR" i="1">
+                            <a:rPr lang="fr-FR" i="1" smtClean="0">
                               <a:latin typeface="Cambria Math" panose="02040503050406030204" pitchFamily="18" charset="0"/>
                             </a:rPr>
                           </m:ctrlPr>
@@ -7585,10 +7607,11 @@
                         </m:e>
                         <m:sub>
                           <m:r>
-                            <a:rPr lang="fr-FR" i="1">
+                            <a:rPr lang="fr-FR" b="0" i="1" smtClean="0">
                               <a:latin typeface="Cambria Math" panose="02040503050406030204" pitchFamily="18" charset="0"/>
+                              <a:ea typeface="Cambria Math" panose="02040503050406030204" pitchFamily="18" charset="0"/>
                             </a:rPr>
-                            <m:t>2</m:t>
+                            <m:t>𝐽</m:t>
                           </m:r>
                         </m:sub>
                       </m:sSub>
@@ -7600,7 +7623,7 @@
             </p:txBody>
           </p:sp>
         </mc:Choice>
-        <mc:Fallback xmlns="">
+        <mc:Fallback>
           <p:sp>
             <p:nvSpPr>
               <p:cNvPr id="113" name="TextBox 112">
@@ -7618,7 +7641,7 @@
             <p:spPr>
               <a:xfrm>
                 <a:off x="11316498" y="4020431"/>
-                <a:ext cx="266034" cy="276999"/>
+                <a:ext cx="242246" cy="296428"/>
               </a:xfrm>
               <a:prstGeom prst="rect">
                 <a:avLst/>
@@ -7626,199 +7649,7 @@
               <a:blipFill>
                 <a:blip r:embed="rId26"/>
                 <a:stretch>
-                  <a:fillRect l="-13636" r="-6818" b="-15556"/>
-                </a:stretch>
-              </a:blipFill>
-            </p:spPr>
-            <p:txBody>
-              <a:bodyPr/>
-              <a:lstStyle/>
-              <a:p>
-                <a:r>
-                  <a:rPr lang="en-US">
-                    <a:noFill/>
-                  </a:rPr>
-                  <a:t> </a:t>
-                </a:r>
-              </a:p>
-            </p:txBody>
-          </p:sp>
-        </mc:Fallback>
-      </mc:AlternateContent>
-      <mc:AlternateContent xmlns:mc="http://schemas.openxmlformats.org/markup-compatibility/2006" xmlns:a14="http://schemas.microsoft.com/office/drawing/2010/main">
-        <mc:Choice Requires="a14">
-          <p:sp>
-            <p:nvSpPr>
-              <p:cNvPr id="121" name="TextBox 120">
-                <a:extLst>
-                  <a:ext uri="{FF2B5EF4-FFF2-40B4-BE49-F238E27FC236}">
-                    <a16:creationId xmlns:a16="http://schemas.microsoft.com/office/drawing/2014/main" id="{AA996222-4C93-85C0-37C6-4644DD592E23}"/>
-                  </a:ext>
-                </a:extLst>
-              </p:cNvPr>
-              <p:cNvSpPr txBox="1"/>
-              <p:nvPr/>
-            </p:nvSpPr>
-            <p:spPr>
-              <a:xfrm>
-                <a:off x="6872418" y="298610"/>
-                <a:ext cx="468013" cy="276999"/>
-              </a:xfrm>
-              <a:prstGeom prst="rect">
-                <a:avLst/>
-              </a:prstGeom>
-              <a:noFill/>
-            </p:spPr>
-            <p:txBody>
-              <a:bodyPr wrap="none" lIns="0" tIns="0" rIns="0" bIns="0" rtlCol="0">
-                <a:spAutoFit/>
-              </a:bodyPr>
-              <a:lstStyle/>
-              <a:p>
-                <a:pPr/>
-                <a14:m>
-                  <m:oMathPara xmlns:m="http://schemas.openxmlformats.org/officeDocument/2006/math">
-                    <m:oMathParaPr>
-                      <m:jc m:val="centerGroup"/>
-                    </m:oMathParaPr>
-                    <m:oMath xmlns:m="http://schemas.openxmlformats.org/officeDocument/2006/math">
-                      <m:r>
-                        <a:rPr lang="fr-FR" i="1">
-                          <a:latin typeface="Cambria Math" panose="02040503050406030204" pitchFamily="18" charset="0"/>
-                        </a:rPr>
-                        <m:t>𝑙𝑜𝑠𝑠</m:t>
-                      </m:r>
-                    </m:oMath>
-                  </m:oMathPara>
-                </a14:m>
-                <a:endParaRPr lang="en-US" dirty="0"/>
-              </a:p>
-            </p:txBody>
-          </p:sp>
-        </mc:Choice>
-        <mc:Fallback xmlns="">
-          <p:sp>
-            <p:nvSpPr>
-              <p:cNvPr id="121" name="TextBox 120">
-                <a:extLst>
-                  <a:ext uri="{FF2B5EF4-FFF2-40B4-BE49-F238E27FC236}">
-                    <a16:creationId xmlns:a16="http://schemas.microsoft.com/office/drawing/2014/main" id="{AA996222-4C93-85C0-37C6-4644DD592E23}"/>
-                  </a:ext>
-                </a:extLst>
-              </p:cNvPr>
-              <p:cNvSpPr txBox="1">
-                <a:spLocks noRot="1" noChangeAspect="1" noMove="1" noResize="1" noEditPoints="1" noAdjustHandles="1" noChangeArrowheads="1" noChangeShapeType="1" noTextEdit="1"/>
-              </p:cNvSpPr>
-              <p:nvPr/>
-            </p:nvSpPr>
-            <p:spPr>
-              <a:xfrm>
-                <a:off x="6872418" y="298610"/>
-                <a:ext cx="468013" cy="276999"/>
-              </a:xfrm>
-              <a:prstGeom prst="rect">
-                <a:avLst/>
-              </a:prstGeom>
-              <a:blipFill>
-                <a:blip r:embed="rId31"/>
-                <a:stretch>
-                  <a:fillRect l="-11688" r="-11688" b="-8889"/>
-                </a:stretch>
-              </a:blipFill>
-            </p:spPr>
-            <p:txBody>
-              <a:bodyPr/>
-              <a:lstStyle/>
-              <a:p>
-                <a:r>
-                  <a:rPr lang="en-US">
-                    <a:noFill/>
-                  </a:rPr>
-                  <a:t> </a:t>
-                </a:r>
-              </a:p>
-            </p:txBody>
-          </p:sp>
-        </mc:Fallback>
-      </mc:AlternateContent>
-      <mc:AlternateContent xmlns:mc="http://schemas.openxmlformats.org/markup-compatibility/2006" xmlns:a14="http://schemas.microsoft.com/office/drawing/2010/main">
-        <mc:Choice Requires="a14">
-          <p:sp>
-            <p:nvSpPr>
-              <p:cNvPr id="122" name="TextBox 121">
-                <a:extLst>
-                  <a:ext uri="{FF2B5EF4-FFF2-40B4-BE49-F238E27FC236}">
-                    <a16:creationId xmlns:a16="http://schemas.microsoft.com/office/drawing/2014/main" id="{0CAE7732-7924-10AD-3E3C-F9CA02B9ECF2}"/>
-                  </a:ext>
-                </a:extLst>
-              </p:cNvPr>
-              <p:cNvSpPr txBox="1"/>
-              <p:nvPr/>
-            </p:nvSpPr>
-            <p:spPr>
-              <a:xfrm>
-                <a:off x="6872418" y="5412546"/>
-                <a:ext cx="468013" cy="276999"/>
-              </a:xfrm>
-              <a:prstGeom prst="rect">
-                <a:avLst/>
-              </a:prstGeom>
-              <a:noFill/>
-            </p:spPr>
-            <p:txBody>
-              <a:bodyPr wrap="none" lIns="0" tIns="0" rIns="0" bIns="0" rtlCol="0">
-                <a:spAutoFit/>
-              </a:bodyPr>
-              <a:lstStyle/>
-              <a:p>
-                <a:pPr/>
-                <a14:m>
-                  <m:oMathPara xmlns:m="http://schemas.openxmlformats.org/officeDocument/2006/math">
-                    <m:oMathParaPr>
-                      <m:jc m:val="centerGroup"/>
-                    </m:oMathParaPr>
-                    <m:oMath xmlns:m="http://schemas.openxmlformats.org/officeDocument/2006/math">
-                      <m:r>
-                        <a:rPr lang="fr-FR" i="1">
-                          <a:latin typeface="Cambria Math" panose="02040503050406030204" pitchFamily="18" charset="0"/>
-                        </a:rPr>
-                        <m:t>𝑙𝑜𝑠𝑠</m:t>
-                      </m:r>
-                    </m:oMath>
-                  </m:oMathPara>
-                </a14:m>
-                <a:endParaRPr lang="en-US" dirty="0"/>
-              </a:p>
-            </p:txBody>
-          </p:sp>
-        </mc:Choice>
-        <mc:Fallback xmlns="">
-          <p:sp>
-            <p:nvSpPr>
-              <p:cNvPr id="122" name="TextBox 121">
-                <a:extLst>
-                  <a:ext uri="{FF2B5EF4-FFF2-40B4-BE49-F238E27FC236}">
-                    <a16:creationId xmlns:a16="http://schemas.microsoft.com/office/drawing/2014/main" id="{0CAE7732-7924-10AD-3E3C-F9CA02B9ECF2}"/>
-                  </a:ext>
-                </a:extLst>
-              </p:cNvPr>
-              <p:cNvSpPr txBox="1">
-                <a:spLocks noRot="1" noChangeAspect="1" noMove="1" noResize="1" noEditPoints="1" noAdjustHandles="1" noChangeArrowheads="1" noChangeShapeType="1" noTextEdit="1"/>
-              </p:cNvSpPr>
-              <p:nvPr/>
-            </p:nvSpPr>
-            <p:spPr>
-              <a:xfrm>
-                <a:off x="6872418" y="5412546"/>
-                <a:ext cx="468013" cy="276999"/>
-              </a:xfrm>
-              <a:prstGeom prst="rect">
-                <a:avLst/>
-              </a:prstGeom>
-              <a:blipFill>
-                <a:blip r:embed="rId32"/>
-                <a:stretch>
-                  <a:fillRect l="-11688" r="-11688" b="-8889"/>
+                  <a:fillRect l="-15000" r="-12500" b="-27083"/>
                 </a:stretch>
               </a:blipFill>
             </p:spPr>
@@ -7841,10 +7672,10 @@
         <mc:Choice xmlns:a14="http://schemas.microsoft.com/office/drawing/2010/main" Requires="a14">
           <p:sp>
             <p:nvSpPr>
-              <p:cNvPr id="123" name="TextBox 122">
+              <p:cNvPr id="121" name="TextBox 120">
                 <a:extLst>
                   <a:ext uri="{FF2B5EF4-FFF2-40B4-BE49-F238E27FC236}">
-                    <a16:creationId xmlns:a16="http://schemas.microsoft.com/office/drawing/2014/main" id="{9CAF4CA9-80D1-1561-A755-E1B566911C15}"/>
+                    <a16:creationId xmlns:a16="http://schemas.microsoft.com/office/drawing/2014/main" id="{AA996222-4C93-85C0-37C6-4644DD592E23}"/>
                   </a:ext>
                 </a:extLst>
               </p:cNvPr>
@@ -7853,8 +7684,8 @@
             </p:nvSpPr>
             <p:spPr>
               <a:xfrm>
-                <a:off x="6876255" y="2287026"/>
-                <a:ext cx="468013" cy="276999"/>
+                <a:off x="7002634" y="366801"/>
+                <a:ext cx="177100" cy="276999"/>
               </a:xfrm>
               <a:prstGeom prst="rect">
                 <a:avLst/>
@@ -7875,10 +7706,11 @@
                     </m:oMathParaPr>
                     <m:oMath xmlns:m="http://schemas.openxmlformats.org/officeDocument/2006/math">
                       <m:r>
-                        <a:rPr lang="fr-FR" i="1">
+                        <a:rPr lang="fr-FR" i="1" smtClean="0">
                           <a:latin typeface="Cambria Math" panose="02040503050406030204" pitchFamily="18" charset="0"/>
+                          <a:ea typeface="Cambria Math" panose="02040503050406030204" pitchFamily="18" charset="0"/>
                         </a:rPr>
-                        <m:t>𝑙𝑜𝑠𝑠</m:t>
+                        <m:t>𝜆</m:t>
                       </m:r>
                     </m:oMath>
                   </m:oMathPara>
@@ -7891,10 +7723,10 @@
         <mc:Fallback>
           <p:sp>
             <p:nvSpPr>
-              <p:cNvPr id="123" name="TextBox 122">
+              <p:cNvPr id="121" name="TextBox 120">
                 <a:extLst>
                   <a:ext uri="{FF2B5EF4-FFF2-40B4-BE49-F238E27FC236}">
-                    <a16:creationId xmlns:a16="http://schemas.microsoft.com/office/drawing/2014/main" id="{9CAF4CA9-80D1-1561-A755-E1B566911C15}"/>
+                    <a16:creationId xmlns:a16="http://schemas.microsoft.com/office/drawing/2014/main" id="{AA996222-4C93-85C0-37C6-4644DD592E23}"/>
                   </a:ext>
                 </a:extLst>
               </p:cNvPr>
@@ -7905,16 +7737,16 @@
             </p:nvSpPr>
             <p:spPr>
               <a:xfrm>
-                <a:off x="6876255" y="2287026"/>
-                <a:ext cx="468013" cy="276999"/>
+                <a:off x="7002634" y="366801"/>
+                <a:ext cx="177100" cy="276999"/>
               </a:xfrm>
               <a:prstGeom prst="rect">
                 <a:avLst/>
               </a:prstGeom>
               <a:blipFill>
-                <a:blip r:embed="rId33"/>
+                <a:blip r:embed="rId27"/>
                 <a:stretch>
-                  <a:fillRect l="-11688" r="-11688" b="-6522"/>
+                  <a:fillRect l="-34483" r="-31034" b="-6522"/>
                 </a:stretch>
               </a:blipFill>
             </p:spPr>
@@ -8147,8 +7979,8 @@
           </a:fontRef>
         </p:style>
       </p:cxnSp>
-      <mc:AlternateContent xmlns:mc="http://schemas.openxmlformats.org/markup-compatibility/2006" xmlns:a14="http://schemas.microsoft.com/office/drawing/2010/main">
-        <mc:Choice Requires="a14">
+      <mc:AlternateContent xmlns:mc="http://schemas.openxmlformats.org/markup-compatibility/2006">
+        <mc:Choice xmlns:a14="http://schemas.microsoft.com/office/drawing/2010/main" Requires="a14">
           <p:sp>
             <p:nvSpPr>
               <p:cNvPr id="43" name="TextBox 42">
@@ -8164,7 +7996,7 @@
             <p:spPr>
               <a:xfrm>
                 <a:off x="12400729" y="875189"/>
-                <a:ext cx="348878" cy="276999"/>
+                <a:ext cx="352276" cy="276999"/>
               </a:xfrm>
               <a:prstGeom prst="rect">
                 <a:avLst/>
@@ -8187,7 +8019,7 @@
                       <m:sSub>
                         <m:sSubPr>
                           <m:ctrlPr>
-                            <a:rPr lang="fr-FR" i="1">
+                            <a:rPr lang="fr-FR" i="1" smtClean="0">
                               <a:latin typeface="Cambria Math" panose="02040503050406030204" pitchFamily="18" charset="0"/>
                             </a:rPr>
                           </m:ctrlPr>
@@ -8202,10 +8034,10 @@
                         </m:e>
                         <m:sub>
                           <m:r>
-                            <a:rPr lang="fr-FR" i="1">
+                            <a:rPr lang="fr-FR" b="0" i="1" smtClean="0">
                               <a:latin typeface="Cambria Math" panose="02040503050406030204" pitchFamily="18" charset="0"/>
                             </a:rPr>
-                            <m:t>1</m:t>
+                            <m:t>𝐿</m:t>
                           </m:r>
                         </m:sub>
                       </m:sSub>
@@ -8217,7 +8049,7 @@
             </p:txBody>
           </p:sp>
         </mc:Choice>
-        <mc:Fallback xmlns="">
+        <mc:Fallback>
           <p:sp>
             <p:nvSpPr>
               <p:cNvPr id="43" name="TextBox 42">
@@ -8235,15 +8067,15 @@
             <p:spPr>
               <a:xfrm>
                 <a:off x="12400729" y="875189"/>
-                <a:ext cx="348878" cy="276999"/>
+                <a:ext cx="352276" cy="276999"/>
               </a:xfrm>
               <a:prstGeom prst="rect">
                 <a:avLst/>
               </a:prstGeom>
               <a:blipFill>
-                <a:blip r:embed="rId34"/>
+                <a:blip r:embed="rId28"/>
                 <a:stretch>
-                  <a:fillRect l="-10526" r="-7018" b="-15556"/>
+                  <a:fillRect l="-10345" r="-5172" b="-15556"/>
                 </a:stretch>
               </a:blipFill>
             </p:spPr>
@@ -8262,8 +8094,8 @@
           </p:sp>
         </mc:Fallback>
       </mc:AlternateContent>
-      <mc:AlternateContent xmlns:mc="http://schemas.openxmlformats.org/markup-compatibility/2006" xmlns:a14="http://schemas.microsoft.com/office/drawing/2010/main">
-        <mc:Choice Requires="a14">
+      <mc:AlternateContent xmlns:mc="http://schemas.openxmlformats.org/markup-compatibility/2006">
+        <mc:Choice xmlns:a14="http://schemas.microsoft.com/office/drawing/2010/main" Requires="a14">
           <p:sp>
             <p:nvSpPr>
               <p:cNvPr id="44" name="TextBox 43">
@@ -8279,7 +8111,7 @@
             <p:spPr>
               <a:xfrm>
                 <a:off x="12400729" y="2858876"/>
-                <a:ext cx="354200" cy="276999"/>
+                <a:ext cx="330410" cy="296428"/>
               </a:xfrm>
               <a:prstGeom prst="rect">
                 <a:avLst/>
@@ -8302,7 +8134,7 @@
                       <m:sSub>
                         <m:sSubPr>
                           <m:ctrlPr>
-                            <a:rPr lang="fr-FR" i="1">
+                            <a:rPr lang="fr-FR" i="1" smtClean="0">
                               <a:latin typeface="Cambria Math" panose="02040503050406030204" pitchFamily="18" charset="0"/>
                             </a:rPr>
                           </m:ctrlPr>
@@ -8317,10 +8149,10 @@
                         </m:e>
                         <m:sub>
                           <m:r>
-                            <a:rPr lang="fr-FR" i="1">
+                            <a:rPr lang="fr-FR" b="0" i="1" smtClean="0">
                               <a:latin typeface="Cambria Math" panose="02040503050406030204" pitchFamily="18" charset="0"/>
                             </a:rPr>
-                            <m:t>2</m:t>
+                            <m:t>𝐽</m:t>
                           </m:r>
                         </m:sub>
                       </m:sSub>
@@ -8332,7 +8164,7 @@
             </p:txBody>
           </p:sp>
         </mc:Choice>
-        <mc:Fallback xmlns="">
+        <mc:Fallback>
           <p:sp>
             <p:nvSpPr>
               <p:cNvPr id="44" name="TextBox 43">
@@ -8350,15 +8182,15 @@
             <p:spPr>
               <a:xfrm>
                 <a:off x="12400729" y="2858876"/>
-                <a:ext cx="354200" cy="276999"/>
+                <a:ext cx="330410" cy="296428"/>
               </a:xfrm>
               <a:prstGeom prst="rect">
                 <a:avLst/>
               </a:prstGeom>
               <a:blipFill>
-                <a:blip r:embed="rId35"/>
+                <a:blip r:embed="rId29"/>
                 <a:stretch>
-                  <a:fillRect l="-8621" r="-8621" b="-15556"/>
+                  <a:fillRect l="-9259" r="-11111" b="-24490"/>
                 </a:stretch>
               </a:blipFill>
             </p:spPr>
@@ -8377,8 +8209,8 @@
           </p:sp>
         </mc:Fallback>
       </mc:AlternateContent>
-      <mc:AlternateContent xmlns:mc="http://schemas.openxmlformats.org/markup-compatibility/2006" xmlns:a14="http://schemas.microsoft.com/office/drawing/2010/main">
-        <mc:Choice Requires="a14">
+      <mc:AlternateContent xmlns:mc="http://schemas.openxmlformats.org/markup-compatibility/2006">
+        <mc:Choice xmlns:a14="http://schemas.microsoft.com/office/drawing/2010/main" Requires="a14">
           <p:sp>
             <p:nvSpPr>
               <p:cNvPr id="45" name="TextBox 44">
@@ -8394,7 +8226,7 @@
             <p:spPr>
               <a:xfrm>
                 <a:off x="12395407" y="4843362"/>
-                <a:ext cx="354200" cy="276999"/>
+                <a:ext cx="358816" cy="276999"/>
               </a:xfrm>
               <a:prstGeom prst="rect">
                 <a:avLst/>
@@ -8417,7 +8249,7 @@
                       <m:sSub>
                         <m:sSubPr>
                           <m:ctrlPr>
-                            <a:rPr lang="fr-FR" i="1">
+                            <a:rPr lang="fr-FR" i="1" smtClean="0">
                               <a:latin typeface="Cambria Math" panose="02040503050406030204" pitchFamily="18" charset="0"/>
                             </a:rPr>
                           </m:ctrlPr>
@@ -8432,10 +8264,10 @@
                         </m:e>
                         <m:sub>
                           <m:r>
-                            <a:rPr lang="fr-FR" i="1">
+                            <a:rPr lang="fr-FR" b="0" i="1" smtClean="0">
                               <a:latin typeface="Cambria Math" panose="02040503050406030204" pitchFamily="18" charset="0"/>
                             </a:rPr>
-                            <m:t>3</m:t>
+                            <m:t>𝐴</m:t>
                           </m:r>
                         </m:sub>
                       </m:sSub>
@@ -8447,7 +8279,7 @@
             </p:txBody>
           </p:sp>
         </mc:Choice>
-        <mc:Fallback xmlns="">
+        <mc:Fallback>
           <p:sp>
             <p:nvSpPr>
               <p:cNvPr id="45" name="TextBox 44">
@@ -8465,15 +8297,15 @@
             <p:spPr>
               <a:xfrm>
                 <a:off x="12395407" y="4843362"/>
-                <a:ext cx="354200" cy="276999"/>
+                <a:ext cx="358816" cy="276999"/>
               </a:xfrm>
               <a:prstGeom prst="rect">
                 <a:avLst/>
               </a:prstGeom>
               <a:blipFill>
-                <a:blip r:embed="rId36"/>
+                <a:blip r:embed="rId30"/>
                 <a:stretch>
-                  <a:fillRect l="-8621" r="-8621" b="-15556"/>
+                  <a:fillRect l="-8475" r="-6780" b="-15556"/>
                 </a:stretch>
               </a:blipFill>
             </p:spPr>
@@ -8842,8 +8674,8 @@
           </a:p>
         </p:txBody>
       </p:sp>
-      <mc:AlternateContent xmlns:mc="http://schemas.openxmlformats.org/markup-compatibility/2006" xmlns:a14="http://schemas.microsoft.com/office/drawing/2010/main">
-        <mc:Choice Requires="a14">
+      <mc:AlternateContent xmlns:mc="http://schemas.openxmlformats.org/markup-compatibility/2006">
+        <mc:Choice xmlns:a14="http://schemas.microsoft.com/office/drawing/2010/main" Requires="a14">
           <p:sp>
             <p:nvSpPr>
               <p:cNvPr id="92" name="TextBox 91">
@@ -8858,8 +8690,8 @@
             </p:nvSpPr>
             <p:spPr>
               <a:xfrm rot="16200000">
-                <a:off x="-892692" y="3048143"/>
-                <a:ext cx="4210896" cy="459421"/>
+                <a:off x="-813536" y="3048143"/>
+                <a:ext cx="4052583" cy="459421"/>
               </a:xfrm>
               <a:prstGeom prst="rect">
                 <a:avLst/>
@@ -8956,14 +8788,7 @@
                               <a:latin typeface="Cambria Math" panose="02040503050406030204" pitchFamily="18" charset="0"/>
                               <a:ea typeface="Cambria Math" panose="02040503050406030204" pitchFamily="18" charset="0"/>
                             </a:rPr>
-                            <m:t>𝐴</m:t>
-                          </m:r>
-                          <m:r>
-                            <a:rPr lang="fr-FR" sz="1600" b="0" i="1" smtClean="0">
-                              <a:latin typeface="Cambria Math" panose="02040503050406030204" pitchFamily="18" charset="0"/>
-                              <a:ea typeface="Cambria Math" panose="02040503050406030204" pitchFamily="18" charset="0"/>
-                            </a:rPr>
-                            <m:t>1</m:t>
+                            <m:t>𝐽</m:t>
                           </m:r>
                         </m:sub>
                       </m:sSub>
@@ -8998,7 +8823,7 @@
                               <a:latin typeface="Cambria Math" panose="02040503050406030204" pitchFamily="18" charset="0"/>
                               <a:ea typeface="Cambria Math" panose="02040503050406030204" pitchFamily="18" charset="0"/>
                             </a:rPr>
-                            <m:t>2</m:t>
+                            <m:t>𝐽</m:t>
                           </m:r>
                         </m:sub>
                       </m:sSub>
@@ -9042,13 +8867,6 @@
                             </a:rPr>
                             <m:t>𝐴</m:t>
                           </m:r>
-                          <m:r>
-                            <a:rPr lang="fr-FR" sz="1600" b="0" i="1" smtClean="0">
-                              <a:latin typeface="Cambria Math" panose="02040503050406030204" pitchFamily="18" charset="0"/>
-                              <a:ea typeface="Cambria Math" panose="02040503050406030204" pitchFamily="18" charset="0"/>
-                            </a:rPr>
-                            <m:t>2</m:t>
-                          </m:r>
                         </m:sub>
                       </m:sSub>
                       <m:r>
@@ -9082,7 +8900,7 @@
                               <a:latin typeface="Cambria Math" panose="02040503050406030204" pitchFamily="18" charset="0"/>
                               <a:ea typeface="Cambria Math" panose="02040503050406030204" pitchFamily="18" charset="0"/>
                             </a:rPr>
-                            <m:t>3</m:t>
+                            <m:t>𝐴</m:t>
                           </m:r>
                         </m:sub>
                       </m:sSub>
@@ -9136,7 +8954,7 @@
             </p:txBody>
           </p:sp>
         </mc:Choice>
-        <mc:Fallback xmlns="">
+        <mc:Fallback>
           <p:sp>
             <p:nvSpPr>
               <p:cNvPr id="92" name="TextBox 91">
@@ -9153,8 +8971,8 @@
             </p:nvSpPr>
             <p:spPr>
               <a:xfrm rot="16200000">
-                <a:off x="-892692" y="3048143"/>
-                <a:ext cx="4210896" cy="459421"/>
+                <a:off x="-813536" y="3048143"/>
+                <a:ext cx="4052583" cy="459421"/>
               </a:xfrm>
               <a:prstGeom prst="rect">
                 <a:avLst/>
@@ -9789,6 +9607,200 @@
           </a:fontRef>
         </p:style>
       </p:cxnSp>
+      <mc:AlternateContent xmlns:mc="http://schemas.openxmlformats.org/markup-compatibility/2006">
+        <mc:Choice xmlns:a14="http://schemas.microsoft.com/office/drawing/2010/main" Requires="a14">
+          <p:sp>
+            <p:nvSpPr>
+              <p:cNvPr id="36" name="TextBox 35">
+                <a:extLst>
+                  <a:ext uri="{FF2B5EF4-FFF2-40B4-BE49-F238E27FC236}">
+                    <a16:creationId xmlns:a16="http://schemas.microsoft.com/office/drawing/2014/main" id="{FA71797F-19D9-4101-E065-557DD27CE137}"/>
+                  </a:ext>
+                </a:extLst>
+              </p:cNvPr>
+              <p:cNvSpPr txBox="1"/>
+              <p:nvPr/>
+            </p:nvSpPr>
+            <p:spPr>
+              <a:xfrm>
+                <a:off x="6999868" y="2314746"/>
+                <a:ext cx="177100" cy="276999"/>
+              </a:xfrm>
+              <a:prstGeom prst="rect">
+                <a:avLst/>
+              </a:prstGeom>
+              <a:noFill/>
+            </p:spPr>
+            <p:txBody>
+              <a:bodyPr wrap="none" lIns="0" tIns="0" rIns="0" bIns="0" rtlCol="0">
+                <a:spAutoFit/>
+              </a:bodyPr>
+              <a:lstStyle/>
+              <a:p>
+                <a:pPr/>
+                <a14:m>
+                  <m:oMathPara xmlns:m="http://schemas.openxmlformats.org/officeDocument/2006/math">
+                    <m:oMathParaPr>
+                      <m:jc m:val="centerGroup"/>
+                    </m:oMathParaPr>
+                    <m:oMath xmlns:m="http://schemas.openxmlformats.org/officeDocument/2006/math">
+                      <m:r>
+                        <a:rPr lang="fr-FR" i="1" smtClean="0">
+                          <a:latin typeface="Cambria Math" panose="02040503050406030204" pitchFamily="18" charset="0"/>
+                          <a:ea typeface="Cambria Math" panose="02040503050406030204" pitchFamily="18" charset="0"/>
+                        </a:rPr>
+                        <m:t>𝜆</m:t>
+                      </m:r>
+                    </m:oMath>
+                  </m:oMathPara>
+                </a14:m>
+                <a:endParaRPr lang="en-US" dirty="0"/>
+              </a:p>
+            </p:txBody>
+          </p:sp>
+        </mc:Choice>
+        <mc:Fallback>
+          <p:sp>
+            <p:nvSpPr>
+              <p:cNvPr id="36" name="TextBox 35">
+                <a:extLst>
+                  <a:ext uri="{FF2B5EF4-FFF2-40B4-BE49-F238E27FC236}">
+                    <a16:creationId xmlns:a16="http://schemas.microsoft.com/office/drawing/2014/main" id="{FA71797F-19D9-4101-E065-557DD27CE137}"/>
+                  </a:ext>
+                </a:extLst>
+              </p:cNvPr>
+              <p:cNvSpPr txBox="1">
+                <a:spLocks noRot="1" noChangeAspect="1" noMove="1" noResize="1" noEditPoints="1" noAdjustHandles="1" noChangeArrowheads="1" noChangeShapeType="1" noTextEdit="1"/>
+              </p:cNvSpPr>
+              <p:nvPr/>
+            </p:nvSpPr>
+            <p:spPr>
+              <a:xfrm>
+                <a:off x="6999868" y="2314746"/>
+                <a:ext cx="177100" cy="276999"/>
+              </a:xfrm>
+              <a:prstGeom prst="rect">
+                <a:avLst/>
+              </a:prstGeom>
+              <a:blipFill>
+                <a:blip r:embed="rId43"/>
+                <a:stretch>
+                  <a:fillRect l="-34483" r="-31034" b="-8889"/>
+                </a:stretch>
+              </a:blipFill>
+            </p:spPr>
+            <p:txBody>
+              <a:bodyPr/>
+              <a:lstStyle/>
+              <a:p>
+                <a:r>
+                  <a:rPr lang="en-US">
+                    <a:noFill/>
+                  </a:rPr>
+                  <a:t> </a:t>
+                </a:r>
+              </a:p>
+            </p:txBody>
+          </p:sp>
+        </mc:Fallback>
+      </mc:AlternateContent>
+      <mc:AlternateContent xmlns:mc="http://schemas.openxmlformats.org/markup-compatibility/2006">
+        <mc:Choice xmlns:a14="http://schemas.microsoft.com/office/drawing/2010/main" Requires="a14">
+          <p:sp>
+            <p:nvSpPr>
+              <p:cNvPr id="38" name="TextBox 37">
+                <a:extLst>
+                  <a:ext uri="{FF2B5EF4-FFF2-40B4-BE49-F238E27FC236}">
+                    <a16:creationId xmlns:a16="http://schemas.microsoft.com/office/drawing/2014/main" id="{72D17C71-5487-C894-7113-2C4444D5B94F}"/>
+                  </a:ext>
+                </a:extLst>
+              </p:cNvPr>
+              <p:cNvSpPr txBox="1"/>
+              <p:nvPr/>
+            </p:nvSpPr>
+            <p:spPr>
+              <a:xfrm>
+                <a:off x="7008648" y="5427137"/>
+                <a:ext cx="177100" cy="276999"/>
+              </a:xfrm>
+              <a:prstGeom prst="rect">
+                <a:avLst/>
+              </a:prstGeom>
+              <a:noFill/>
+            </p:spPr>
+            <p:txBody>
+              <a:bodyPr wrap="none" lIns="0" tIns="0" rIns="0" bIns="0" rtlCol="0">
+                <a:spAutoFit/>
+              </a:bodyPr>
+              <a:lstStyle/>
+              <a:p>
+                <a:pPr/>
+                <a14:m>
+                  <m:oMathPara xmlns:m="http://schemas.openxmlformats.org/officeDocument/2006/math">
+                    <m:oMathParaPr>
+                      <m:jc m:val="centerGroup"/>
+                    </m:oMathParaPr>
+                    <m:oMath xmlns:m="http://schemas.openxmlformats.org/officeDocument/2006/math">
+                      <m:r>
+                        <a:rPr lang="fr-FR" i="1" smtClean="0">
+                          <a:latin typeface="Cambria Math" panose="02040503050406030204" pitchFamily="18" charset="0"/>
+                          <a:ea typeface="Cambria Math" panose="02040503050406030204" pitchFamily="18" charset="0"/>
+                        </a:rPr>
+                        <m:t>𝜆</m:t>
+                      </m:r>
+                    </m:oMath>
+                  </m:oMathPara>
+                </a14:m>
+                <a:endParaRPr lang="en-US" dirty="0"/>
+              </a:p>
+            </p:txBody>
+          </p:sp>
+        </mc:Choice>
+        <mc:Fallback>
+          <p:sp>
+            <p:nvSpPr>
+              <p:cNvPr id="38" name="TextBox 37">
+                <a:extLst>
+                  <a:ext uri="{FF2B5EF4-FFF2-40B4-BE49-F238E27FC236}">
+                    <a16:creationId xmlns:a16="http://schemas.microsoft.com/office/drawing/2014/main" id="{72D17C71-5487-C894-7113-2C4444D5B94F}"/>
+                  </a:ext>
+                </a:extLst>
+              </p:cNvPr>
+              <p:cNvSpPr txBox="1">
+                <a:spLocks noRot="1" noChangeAspect="1" noMove="1" noResize="1" noEditPoints="1" noAdjustHandles="1" noChangeArrowheads="1" noChangeShapeType="1" noTextEdit="1"/>
+              </p:cNvSpPr>
+              <p:nvPr/>
+            </p:nvSpPr>
+            <p:spPr>
+              <a:xfrm>
+                <a:off x="7008648" y="5427137"/>
+                <a:ext cx="177100" cy="276999"/>
+              </a:xfrm>
+              <a:prstGeom prst="rect">
+                <a:avLst/>
+              </a:prstGeom>
+              <a:blipFill>
+                <a:blip r:embed="rId44"/>
+                <a:stretch>
+                  <a:fillRect l="-34483" r="-31034" b="-6522"/>
+                </a:stretch>
+              </a:blipFill>
+            </p:spPr>
+            <p:txBody>
+              <a:bodyPr/>
+              <a:lstStyle/>
+              <a:p>
+                <a:r>
+                  <a:rPr lang="en-US">
+                    <a:noFill/>
+                  </a:rPr>
+                  <a:t> </a:t>
+                </a:r>
+              </a:p>
+            </p:txBody>
+          </p:sp>
+        </mc:Fallback>
+      </mc:AlternateContent>
     </p:spTree>
     <p:extLst>
       <p:ext uri="{BB962C8B-B14F-4D97-AF65-F5344CB8AC3E}">
